--- a/Project 4 – Car pricing predictor master.pptx
+++ b/Project 4 – Car pricing predictor master.pptx
@@ -12,16 +12,20 @@
     <p:sldId id="259" r:id="rId6"/>
     <p:sldId id="264" r:id="rId7"/>
     <p:sldId id="265" r:id="rId8"/>
-    <p:sldId id="270" r:id="rId9"/>
-    <p:sldId id="271" r:id="rId10"/>
-    <p:sldId id="272" r:id="rId11"/>
-    <p:sldId id="273" r:id="rId12"/>
-    <p:sldId id="274" r:id="rId13"/>
-    <p:sldId id="267" r:id="rId14"/>
-    <p:sldId id="266" r:id="rId15"/>
-    <p:sldId id="268" r:id="rId16"/>
-    <p:sldId id="260" r:id="rId17"/>
-    <p:sldId id="269" r:id="rId18"/>
+    <p:sldId id="276" r:id="rId9"/>
+    <p:sldId id="277" r:id="rId10"/>
+    <p:sldId id="278" r:id="rId11"/>
+    <p:sldId id="279" r:id="rId12"/>
+    <p:sldId id="270" r:id="rId13"/>
+    <p:sldId id="271" r:id="rId14"/>
+    <p:sldId id="272" r:id="rId15"/>
+    <p:sldId id="273" r:id="rId16"/>
+    <p:sldId id="274" r:id="rId17"/>
+    <p:sldId id="267" r:id="rId18"/>
+    <p:sldId id="266" r:id="rId19"/>
+    <p:sldId id="268" r:id="rId20"/>
+    <p:sldId id="260" r:id="rId21"/>
+    <p:sldId id="269" r:id="rId22"/>
   </p:sldIdLst>
   <p:sldSz cx="12192000" cy="6858000"/>
   <p:notesSz cx="6858000" cy="9144000"/>
@@ -267,7 +271,7 @@
           <a:p>
             <a:fld id="{48A87A34-81AB-432B-8DAE-1953F412C126}" type="datetimeFigureOut">
               <a:rPr lang="en-US" dirty="0"/>
-              <a:t>8/16/2024</a:t>
+              <a:t>8/17/2024</a:t>
             </a:fld>
             <a:endParaRPr lang="en-US" dirty="0"/>
           </a:p>
@@ -473,7 +477,7 @@
           <a:p>
             <a:fld id="{48A87A34-81AB-432B-8DAE-1953F412C126}" type="datetimeFigureOut">
               <a:rPr lang="en-US" dirty="0"/>
-              <a:t>8/16/2024</a:t>
+              <a:t>8/17/2024</a:t>
             </a:fld>
             <a:endParaRPr lang="en-US" dirty="0"/>
           </a:p>
@@ -683,7 +687,7 @@
           <a:p>
             <a:fld id="{48A87A34-81AB-432B-8DAE-1953F412C126}" type="datetimeFigureOut">
               <a:rPr lang="en-US" dirty="0"/>
-              <a:t>8/16/2024</a:t>
+              <a:t>8/17/2024</a:t>
             </a:fld>
             <a:endParaRPr lang="en-US" dirty="0"/>
           </a:p>
@@ -879,7 +883,7 @@
           <a:p>
             <a:fld id="{48A87A34-81AB-432B-8DAE-1953F412C126}" type="datetimeFigureOut">
               <a:rPr lang="en-US" dirty="0"/>
-              <a:t>8/16/2024</a:t>
+              <a:t>8/17/2024</a:t>
             </a:fld>
             <a:endParaRPr lang="en-US" dirty="0"/>
           </a:p>
@@ -1153,7 +1157,7 @@
           <a:p>
             <a:fld id="{48A87A34-81AB-432B-8DAE-1953F412C126}" type="datetimeFigureOut">
               <a:rPr lang="en-US" dirty="0"/>
-              <a:t>8/16/2024</a:t>
+              <a:t>8/17/2024</a:t>
             </a:fld>
             <a:endParaRPr lang="en-US" dirty="0"/>
           </a:p>
@@ -1416,7 +1420,7 @@
           <a:p>
             <a:fld id="{48A87A34-81AB-432B-8DAE-1953F412C126}" type="datetimeFigureOut">
               <a:rPr lang="en-US" dirty="0"/>
-              <a:t>8/16/2024</a:t>
+              <a:t>8/17/2024</a:t>
             </a:fld>
             <a:endParaRPr lang="en-US" dirty="0"/>
           </a:p>
@@ -1827,7 +1831,7 @@
           <a:p>
             <a:fld id="{48A87A34-81AB-432B-8DAE-1953F412C126}" type="datetimeFigureOut">
               <a:rPr lang="en-US" dirty="0"/>
-              <a:t>8/16/2024</a:t>
+              <a:t>8/17/2024</a:t>
             </a:fld>
             <a:endParaRPr lang="en-US" dirty="0"/>
           </a:p>
@@ -1971,7 +1975,7 @@
           <a:p>
             <a:fld id="{48A87A34-81AB-432B-8DAE-1953F412C126}" type="datetimeFigureOut">
               <a:rPr lang="en-US" dirty="0"/>
-              <a:t>8/16/2024</a:t>
+              <a:t>8/17/2024</a:t>
             </a:fld>
             <a:endParaRPr lang="en-US" dirty="0"/>
           </a:p>
@@ -2092,7 +2096,7 @@
           <a:p>
             <a:fld id="{48A87A34-81AB-432B-8DAE-1953F412C126}" type="datetimeFigureOut">
               <a:rPr lang="en-US" dirty="0"/>
-              <a:t>8/16/2024</a:t>
+              <a:t>8/17/2024</a:t>
             </a:fld>
             <a:endParaRPr lang="en-US" dirty="0"/>
           </a:p>
@@ -2338,7 +2342,7 @@
           <a:p>
             <a:fld id="{48A87A34-81AB-432B-8DAE-1953F412C126}" type="datetimeFigureOut">
               <a:rPr lang="en-US" dirty="0"/>
-              <a:t>8/16/2024</a:t>
+              <a:t>8/17/2024</a:t>
             </a:fld>
             <a:endParaRPr lang="en-US" dirty="0"/>
           </a:p>
@@ -2779,7 +2783,7 @@
             <a:fld id="{48A87A34-81AB-432B-8DAE-1953F412C126}" type="datetimeFigureOut">
               <a:rPr lang="en-US" dirty="0"/>
               <a:pPr/>
-              <a:t>8/16/2024</a:t>
+              <a:t>8/17/2024</a:t>
             </a:fld>
             <a:endParaRPr lang="en-US" dirty="0"/>
           </a:p>
@@ -3102,7 +3106,7 @@
             <a:fld id="{48A87A34-81AB-432B-8DAE-1953F412C126}" type="datetimeFigureOut">
               <a:rPr lang="en-US" dirty="0"/>
               <a:pPr/>
-              <a:t>8/16/2024</a:t>
+              <a:t>8/17/2024</a:t>
             </a:fld>
             <a:endParaRPr lang="en-US" dirty="0"/>
           </a:p>
@@ -3737,7 +3741,7 @@
           <p:cNvPr id="2" name="Title 1">
             <a:extLst>
               <a:ext uri="{FF2B5EF4-FFF2-40B4-BE49-F238E27FC236}">
-                <a16:creationId xmlns:a16="http://schemas.microsoft.com/office/drawing/2014/main" id="{0A85F448-930F-9929-1FAF-6B082203547D}"/>
+                <a16:creationId xmlns:a16="http://schemas.microsoft.com/office/drawing/2014/main" id="{2B3B31FC-A654-B1AB-59CE-38C7457FD86C}"/>
               </a:ext>
             </a:extLst>
           </p:cNvPr>
@@ -3750,34 +3754,58 @@
         </p:nvSpPr>
         <p:spPr/>
         <p:txBody>
-          <a:bodyPr>
-            <a:normAutofit/>
-          </a:bodyPr>
+          <a:bodyPr/>
           <a:lstStyle/>
           <a:p>
             <a:pPr algn="ctr"/>
             <a:r>
-              <a:rPr lang="en-US" sz="1600" dirty="0"/>
-              <a:t>Refining the model</a:t>
+              <a:rPr lang="en-US" dirty="0"/>
+              <a:t>Used car price predictor using flask</a:t>
+            </a:r>
+          </a:p>
+        </p:txBody>
+      </p:sp>
+      <p:sp>
+        <p:nvSpPr>
+          <p:cNvPr id="3" name="Content Placeholder 2">
+            <a:extLst>
+              <a:ext uri="{FF2B5EF4-FFF2-40B4-BE49-F238E27FC236}">
+                <a16:creationId xmlns:a16="http://schemas.microsoft.com/office/drawing/2014/main" id="{DB5EB702-ACB8-4D43-8ADF-C1E3AF476470}"/>
+              </a:ext>
+            </a:extLst>
+          </p:cNvPr>
+          <p:cNvSpPr>
+            <a:spLocks noGrp="1"/>
+          </p:cNvSpPr>
+          <p:nvPr>
+            <p:ph idx="1"/>
+          </p:nvPr>
+        </p:nvSpPr>
+        <p:spPr/>
+        <p:txBody>
+          <a:bodyPr/>
+          <a:lstStyle/>
+          <a:p>
+            <a:r>
+              <a:rPr lang="en-US" dirty="0"/>
+              <a:t>Then identified the rows that were most important for the price prediction model. These columns being the car rating, horsepower and engine. </a:t>
             </a:r>
           </a:p>
         </p:txBody>
       </p:sp>
       <p:pic>
         <p:nvPicPr>
-          <p:cNvPr id="5" name="Content Placeholder 4">
+          <p:cNvPr id="5" name="Picture 4" descr="A screen shot of a graph&#10;&#10;Description automatically generated">
             <a:extLst>
               <a:ext uri="{FF2B5EF4-FFF2-40B4-BE49-F238E27FC236}">
-                <a16:creationId xmlns:a16="http://schemas.microsoft.com/office/drawing/2014/main" id="{171E2B2A-4D39-E705-09FD-EC6D25F304DC}"/>
+                <a16:creationId xmlns:a16="http://schemas.microsoft.com/office/drawing/2014/main" id="{822D365B-A3EE-2CBC-489F-3496841FFB2E}"/>
               </a:ext>
             </a:extLst>
           </p:cNvPr>
           <p:cNvPicPr>
-            <a:picLocks noGrp="1" noChangeAspect="1"/>
+            <a:picLocks noChangeAspect="1"/>
           </p:cNvPicPr>
-          <p:nvPr>
-            <p:ph idx="1"/>
-          </p:nvPr>
+          <p:nvPr/>
         </p:nvPicPr>
         <p:blipFill>
           <a:blip r:embed="rId2"/>
@@ -3787,15 +3815,18 @@
         </p:blipFill>
         <p:spPr>
           <a:xfrm>
-            <a:off x="3347613" y="1982259"/>
-            <a:ext cx="6270520" cy="3449638"/>
-          </a:xfrm>
+            <a:off x="3693068" y="3014662"/>
+            <a:ext cx="4805863" cy="2819682"/>
+          </a:xfrm>
+          <a:prstGeom prst="rect">
+            <a:avLst/>
+          </a:prstGeom>
         </p:spPr>
       </p:pic>
     </p:spTree>
     <p:extLst>
       <p:ext uri="{BB962C8B-B14F-4D97-AF65-F5344CB8AC3E}">
-        <p14:creationId xmlns:p14="http://schemas.microsoft.com/office/powerpoint/2010/main" val="2115354870"/>
+        <p14:creationId xmlns:p14="http://schemas.microsoft.com/office/powerpoint/2010/main" val="2618647177"/>
       </p:ext>
     </p:extLst>
   </p:cSld>
@@ -3827,7 +3858,7 @@
           <p:cNvPr id="2" name="Title 1">
             <a:extLst>
               <a:ext uri="{FF2B5EF4-FFF2-40B4-BE49-F238E27FC236}">
-                <a16:creationId xmlns:a16="http://schemas.microsoft.com/office/drawing/2014/main" id="{1A0EB6C2-CFD9-D0E9-58F8-F3DEBA15CEF6}"/>
+                <a16:creationId xmlns:a16="http://schemas.microsoft.com/office/drawing/2014/main" id="{28B0EFE0-BD3C-A40B-1714-3DB4E8EB4A4D}"/>
               </a:ext>
             </a:extLst>
           </p:cNvPr>
@@ -3840,79 +3871,77 @@
         </p:nvSpPr>
         <p:spPr/>
         <p:txBody>
-          <a:bodyPr/>
+          <a:bodyPr>
+            <a:normAutofit/>
+          </a:bodyPr>
           <a:lstStyle/>
           <a:p>
             <a:pPr algn="ctr"/>
             <a:r>
-              <a:rPr lang="en-US" dirty="0"/>
-              <a:t>A residual plot of the model</a:t>
-            </a:r>
-          </a:p>
-        </p:txBody>
-      </p:sp>
-      <p:pic>
-        <p:nvPicPr>
-          <p:cNvPr id="6" name="Content Placeholder 5">
+              <a:rPr lang="en-US" dirty="0" err="1"/>
+              <a:t>Py</a:t>
+            </a:r>
+            <a:r>
+              <a:rPr lang="en-US" dirty="0"/>
+              <a:t> app with flask for the </a:t>
+            </a:r>
+            <a:br>
+              <a:rPr lang="en-US" dirty="0"/>
+            </a:br>
+            <a:r>
+              <a:rPr lang="en-US" dirty="0"/>
+              <a:t>used car estimator</a:t>
+            </a:r>
+          </a:p>
+        </p:txBody>
+      </p:sp>
+      <p:sp>
+        <p:nvSpPr>
+          <p:cNvPr id="6" name="TextBox 5">
             <a:extLst>
               <a:ext uri="{FF2B5EF4-FFF2-40B4-BE49-F238E27FC236}">
-                <a16:creationId xmlns:a16="http://schemas.microsoft.com/office/drawing/2014/main" id="{D92BDC42-C714-1210-36DA-02FA99164D50}"/>
+                <a16:creationId xmlns:a16="http://schemas.microsoft.com/office/drawing/2014/main" id="{4B4B492B-C2D8-DED3-2DB5-8753A884A36C}"/>
               </a:ext>
             </a:extLst>
           </p:cNvPr>
-          <p:cNvPicPr>
-            <a:picLocks noGrp="1" noChangeAspect="1"/>
-          </p:cNvPicPr>
-          <p:nvPr>
-            <p:ph sz="half" idx="1"/>
-          </p:nvPr>
-        </p:nvPicPr>
-        <p:blipFill>
-          <a:blip r:embed="rId2"/>
-          <a:stretch>
-            <a:fillRect/>
-          </a:stretch>
-        </p:blipFill>
-        <p:spPr>
-          <a:xfrm>
-            <a:off x="1449218" y="1963704"/>
-            <a:ext cx="3393716" cy="1774399"/>
-          </a:xfrm>
-        </p:spPr>
-      </p:pic>
-      <p:pic>
-        <p:nvPicPr>
-          <p:cNvPr id="8" name="Content Placeholder 7">
-            <a:extLst>
-              <a:ext uri="{FF2B5EF4-FFF2-40B4-BE49-F238E27FC236}">
-                <a16:creationId xmlns:a16="http://schemas.microsoft.com/office/drawing/2014/main" id="{4A19524A-10A4-21B8-6221-BD9ACAA33509}"/>
-              </a:ext>
-            </a:extLst>
-          </p:cNvPr>
-          <p:cNvPicPr>
-            <a:picLocks noGrp="1" noChangeAspect="1"/>
-          </p:cNvPicPr>
-          <p:nvPr>
-            <p:ph sz="half" idx="2"/>
-          </p:nvPr>
-        </p:nvPicPr>
-        <p:blipFill>
-          <a:blip r:embed="rId3"/>
-          <a:stretch>
-            <a:fillRect/>
-          </a:stretch>
-        </p:blipFill>
-        <p:spPr>
-          <a:xfrm>
-            <a:off x="4842934" y="1968367"/>
-            <a:ext cx="6211918" cy="3738165"/>
-          </a:xfrm>
-        </p:spPr>
-      </p:pic>
+          <p:cNvSpPr txBox="1"/>
+          <p:nvPr/>
+        </p:nvSpPr>
+        <p:spPr>
+          <a:xfrm>
+            <a:off x="1524000" y="2142067"/>
+            <a:ext cx="9530854" cy="2585323"/>
+          </a:xfrm>
+          <a:prstGeom prst="rect">
+            <a:avLst/>
+          </a:prstGeom>
+          <a:noFill/>
+        </p:spPr>
+        <p:txBody>
+          <a:bodyPr wrap="square" rtlCol="0">
+            <a:spAutoFit/>
+          </a:bodyPr>
+          <a:lstStyle/>
+          <a:p>
+            <a:r>
+              <a:rPr lang="en-US" dirty="0"/>
+              <a:t>Using flask and python upon initialization, the app loads two key datasets. web application is designed to estimate the value of used cars and provide a detailed rating based on various criteria These dropdowns are dynamically populated based on the unique options extracted from the datasets, ensuring that users only see relevant and available choices. Upon form submission, the app attempts to find an exact match in the dataset to calculate an average price based on similar listings. If no exact match is found, it broadens the search or defaults to an overall average price of the make and models average . The app also retrieves a rating for the selected car make and model, displaying it alongside the estimated price. The application is designed with basic error handling and is deployed on Heroku through </a:t>
+            </a:r>
+            <a:r>
+              <a:rPr lang="en-US" dirty="0" err="1"/>
+              <a:t>github</a:t>
+            </a:r>
+            <a:r>
+              <a:rPr lang="en-US" dirty="0"/>
+              <a:t>.</a:t>
+            </a:r>
+          </a:p>
+        </p:txBody>
+      </p:sp>
     </p:spTree>
     <p:extLst>
       <p:ext uri="{BB962C8B-B14F-4D97-AF65-F5344CB8AC3E}">
-        <p14:creationId xmlns:p14="http://schemas.microsoft.com/office/powerpoint/2010/main" val="1661092724"/>
+        <p14:creationId xmlns:p14="http://schemas.microsoft.com/office/powerpoint/2010/main" val="502086702"/>
       </p:ext>
     </p:extLst>
   </p:cSld>
@@ -3944,6 +3973,404 @@
           <p:cNvPr id="2" name="Title 1">
             <a:extLst>
               <a:ext uri="{FF2B5EF4-FFF2-40B4-BE49-F238E27FC236}">
+                <a16:creationId xmlns:a16="http://schemas.microsoft.com/office/drawing/2014/main" id="{6603677C-2BEF-41AB-DFBD-4923E33AE3EC}"/>
+              </a:ext>
+            </a:extLst>
+          </p:cNvPr>
+          <p:cNvSpPr>
+            <a:spLocks noGrp="1"/>
+          </p:cNvSpPr>
+          <p:nvPr>
+            <p:ph type="ctrTitle"/>
+          </p:nvPr>
+        </p:nvSpPr>
+        <p:spPr>
+          <a:xfrm>
+            <a:off x="2417779" y="802298"/>
+            <a:ext cx="8637073" cy="1119635"/>
+          </a:xfrm>
+        </p:spPr>
+        <p:txBody>
+          <a:bodyPr>
+            <a:normAutofit/>
+          </a:bodyPr>
+          <a:lstStyle/>
+          <a:p>
+            <a:pPr algn="ctr"/>
+            <a:r>
+              <a:rPr lang="en-US" sz="4000" dirty="0"/>
+              <a:t>The machine learning model</a:t>
+            </a:r>
+          </a:p>
+        </p:txBody>
+      </p:sp>
+      <p:pic>
+        <p:nvPicPr>
+          <p:cNvPr id="5" name="Picture 4">
+            <a:extLst>
+              <a:ext uri="{FF2B5EF4-FFF2-40B4-BE49-F238E27FC236}">
+                <a16:creationId xmlns:a16="http://schemas.microsoft.com/office/drawing/2014/main" id="{BAE4366A-D257-6B1A-2A7A-4ECA2D6462D4}"/>
+              </a:ext>
+            </a:extLst>
+          </p:cNvPr>
+          <p:cNvPicPr>
+            <a:picLocks noChangeAspect="1"/>
+          </p:cNvPicPr>
+          <p:nvPr/>
+        </p:nvPicPr>
+        <p:blipFill>
+          <a:blip r:embed="rId2"/>
+          <a:stretch>
+            <a:fillRect/>
+          </a:stretch>
+        </p:blipFill>
+        <p:spPr>
+          <a:xfrm>
+            <a:off x="2554256" y="1921933"/>
+            <a:ext cx="8364117" cy="1514686"/>
+          </a:xfrm>
+          <a:prstGeom prst="rect">
+            <a:avLst/>
+          </a:prstGeom>
+        </p:spPr>
+      </p:pic>
+    </p:spTree>
+    <p:extLst>
+      <p:ext uri="{BB962C8B-B14F-4D97-AF65-F5344CB8AC3E}">
+        <p14:creationId xmlns:p14="http://schemas.microsoft.com/office/powerpoint/2010/main" val="1598635671"/>
+      </p:ext>
+    </p:extLst>
+  </p:cSld>
+  <p:clrMapOvr>
+    <a:masterClrMapping/>
+  </p:clrMapOvr>
+</p:sld>
+</file>
+
+<file path=ppt/slides/slide13.xml><?xml version="1.0" encoding="utf-8"?>
+<p:sld xmlns:a="http://schemas.openxmlformats.org/drawingml/2006/main" xmlns:r="http://schemas.openxmlformats.org/officeDocument/2006/relationships" xmlns:p="http://schemas.openxmlformats.org/presentationml/2006/main">
+  <p:cSld>
+    <p:spTree>
+      <p:nvGrpSpPr>
+        <p:cNvPr id="1" name=""/>
+        <p:cNvGrpSpPr/>
+        <p:nvPr/>
+      </p:nvGrpSpPr>
+      <p:grpSpPr>
+        <a:xfrm>
+          <a:off x="0" y="0"/>
+          <a:ext cx="0" cy="0"/>
+          <a:chOff x="0" y="0"/>
+          <a:chExt cx="0" cy="0"/>
+        </a:xfrm>
+      </p:grpSpPr>
+      <p:sp>
+        <p:nvSpPr>
+          <p:cNvPr id="2" name="Title 1">
+            <a:extLst>
+              <a:ext uri="{FF2B5EF4-FFF2-40B4-BE49-F238E27FC236}">
+                <a16:creationId xmlns:a16="http://schemas.microsoft.com/office/drawing/2014/main" id="{20B85538-6EA6-EC67-6160-A50F86D4E14A}"/>
+              </a:ext>
+            </a:extLst>
+          </p:cNvPr>
+          <p:cNvSpPr>
+            <a:spLocks noGrp="1"/>
+          </p:cNvSpPr>
+          <p:nvPr>
+            <p:ph type="title"/>
+          </p:nvPr>
+        </p:nvSpPr>
+        <p:spPr>
+          <a:xfrm>
+            <a:off x="1451579" y="804520"/>
+            <a:ext cx="9603275" cy="736414"/>
+          </a:xfrm>
+        </p:spPr>
+        <p:txBody>
+          <a:bodyPr>
+            <a:normAutofit/>
+          </a:bodyPr>
+          <a:lstStyle/>
+          <a:p>
+            <a:pPr algn="ctr"/>
+            <a:r>
+              <a:rPr lang="en-US" sz="1600" dirty="0"/>
+              <a:t>We used our cleaned data in python/pandas to construct a model to predict the price of used cars, and compared our predictions to the data</a:t>
+            </a:r>
+          </a:p>
+        </p:txBody>
+      </p:sp>
+      <p:pic>
+        <p:nvPicPr>
+          <p:cNvPr id="5" name="Content Placeholder 4">
+            <a:extLst>
+              <a:ext uri="{FF2B5EF4-FFF2-40B4-BE49-F238E27FC236}">
+                <a16:creationId xmlns:a16="http://schemas.microsoft.com/office/drawing/2014/main" id="{FC77FF19-795E-0646-7F1B-0D8C9D502D38}"/>
+              </a:ext>
+            </a:extLst>
+          </p:cNvPr>
+          <p:cNvPicPr>
+            <a:picLocks noGrp="1" noChangeAspect="1"/>
+          </p:cNvPicPr>
+          <p:nvPr>
+            <p:ph idx="1"/>
+          </p:nvPr>
+        </p:nvPicPr>
+        <p:blipFill>
+          <a:blip r:embed="rId2"/>
+          <a:stretch>
+            <a:fillRect/>
+          </a:stretch>
+        </p:blipFill>
+        <p:spPr>
+          <a:xfrm>
+            <a:off x="3101524" y="2109258"/>
+            <a:ext cx="7177010" cy="3449638"/>
+          </a:xfrm>
+        </p:spPr>
+      </p:pic>
+    </p:spTree>
+    <p:extLst>
+      <p:ext uri="{BB962C8B-B14F-4D97-AF65-F5344CB8AC3E}">
+        <p14:creationId xmlns:p14="http://schemas.microsoft.com/office/powerpoint/2010/main" val="3733975472"/>
+      </p:ext>
+    </p:extLst>
+  </p:cSld>
+  <p:clrMapOvr>
+    <a:masterClrMapping/>
+  </p:clrMapOvr>
+</p:sld>
+</file>
+
+<file path=ppt/slides/slide14.xml><?xml version="1.0" encoding="utf-8"?>
+<p:sld xmlns:a="http://schemas.openxmlformats.org/drawingml/2006/main" xmlns:r="http://schemas.openxmlformats.org/officeDocument/2006/relationships" xmlns:p="http://schemas.openxmlformats.org/presentationml/2006/main">
+  <p:cSld>
+    <p:spTree>
+      <p:nvGrpSpPr>
+        <p:cNvPr id="1" name=""/>
+        <p:cNvGrpSpPr/>
+        <p:nvPr/>
+      </p:nvGrpSpPr>
+      <p:grpSpPr>
+        <a:xfrm>
+          <a:off x="0" y="0"/>
+          <a:ext cx="0" cy="0"/>
+          <a:chOff x="0" y="0"/>
+          <a:chExt cx="0" cy="0"/>
+        </a:xfrm>
+      </p:grpSpPr>
+      <p:sp>
+        <p:nvSpPr>
+          <p:cNvPr id="2" name="Title 1">
+            <a:extLst>
+              <a:ext uri="{FF2B5EF4-FFF2-40B4-BE49-F238E27FC236}">
+                <a16:creationId xmlns:a16="http://schemas.microsoft.com/office/drawing/2014/main" id="{0A85F448-930F-9929-1FAF-6B082203547D}"/>
+              </a:ext>
+            </a:extLst>
+          </p:cNvPr>
+          <p:cNvSpPr>
+            <a:spLocks noGrp="1"/>
+          </p:cNvSpPr>
+          <p:nvPr>
+            <p:ph type="title"/>
+          </p:nvPr>
+        </p:nvSpPr>
+        <p:spPr/>
+        <p:txBody>
+          <a:bodyPr>
+            <a:normAutofit/>
+          </a:bodyPr>
+          <a:lstStyle/>
+          <a:p>
+            <a:pPr algn="ctr"/>
+            <a:r>
+              <a:rPr lang="en-US" sz="1600" dirty="0"/>
+              <a:t>Refining the model</a:t>
+            </a:r>
+          </a:p>
+        </p:txBody>
+      </p:sp>
+      <p:pic>
+        <p:nvPicPr>
+          <p:cNvPr id="5" name="Content Placeholder 4">
+            <a:extLst>
+              <a:ext uri="{FF2B5EF4-FFF2-40B4-BE49-F238E27FC236}">
+                <a16:creationId xmlns:a16="http://schemas.microsoft.com/office/drawing/2014/main" id="{171E2B2A-4D39-E705-09FD-EC6D25F304DC}"/>
+              </a:ext>
+            </a:extLst>
+          </p:cNvPr>
+          <p:cNvPicPr>
+            <a:picLocks noGrp="1" noChangeAspect="1"/>
+          </p:cNvPicPr>
+          <p:nvPr>
+            <p:ph idx="1"/>
+          </p:nvPr>
+        </p:nvPicPr>
+        <p:blipFill>
+          <a:blip r:embed="rId2"/>
+          <a:stretch>
+            <a:fillRect/>
+          </a:stretch>
+        </p:blipFill>
+        <p:spPr>
+          <a:xfrm>
+            <a:off x="3347613" y="1982259"/>
+            <a:ext cx="6270520" cy="3449638"/>
+          </a:xfrm>
+        </p:spPr>
+      </p:pic>
+    </p:spTree>
+    <p:extLst>
+      <p:ext uri="{BB962C8B-B14F-4D97-AF65-F5344CB8AC3E}">
+        <p14:creationId xmlns:p14="http://schemas.microsoft.com/office/powerpoint/2010/main" val="2115354870"/>
+      </p:ext>
+    </p:extLst>
+  </p:cSld>
+  <p:clrMapOvr>
+    <a:masterClrMapping/>
+  </p:clrMapOvr>
+</p:sld>
+</file>
+
+<file path=ppt/slides/slide15.xml><?xml version="1.0" encoding="utf-8"?>
+<p:sld xmlns:a="http://schemas.openxmlformats.org/drawingml/2006/main" xmlns:r="http://schemas.openxmlformats.org/officeDocument/2006/relationships" xmlns:p="http://schemas.openxmlformats.org/presentationml/2006/main">
+  <p:cSld>
+    <p:spTree>
+      <p:nvGrpSpPr>
+        <p:cNvPr id="1" name=""/>
+        <p:cNvGrpSpPr/>
+        <p:nvPr/>
+      </p:nvGrpSpPr>
+      <p:grpSpPr>
+        <a:xfrm>
+          <a:off x="0" y="0"/>
+          <a:ext cx="0" cy="0"/>
+          <a:chOff x="0" y="0"/>
+          <a:chExt cx="0" cy="0"/>
+        </a:xfrm>
+      </p:grpSpPr>
+      <p:sp>
+        <p:nvSpPr>
+          <p:cNvPr id="2" name="Title 1">
+            <a:extLst>
+              <a:ext uri="{FF2B5EF4-FFF2-40B4-BE49-F238E27FC236}">
+                <a16:creationId xmlns:a16="http://schemas.microsoft.com/office/drawing/2014/main" id="{1A0EB6C2-CFD9-D0E9-58F8-F3DEBA15CEF6}"/>
+              </a:ext>
+            </a:extLst>
+          </p:cNvPr>
+          <p:cNvSpPr>
+            <a:spLocks noGrp="1"/>
+          </p:cNvSpPr>
+          <p:nvPr>
+            <p:ph type="title"/>
+          </p:nvPr>
+        </p:nvSpPr>
+        <p:spPr/>
+        <p:txBody>
+          <a:bodyPr/>
+          <a:lstStyle/>
+          <a:p>
+            <a:pPr algn="ctr"/>
+            <a:r>
+              <a:rPr lang="en-US" dirty="0"/>
+              <a:t>A residual plot of the model</a:t>
+            </a:r>
+          </a:p>
+        </p:txBody>
+      </p:sp>
+      <p:pic>
+        <p:nvPicPr>
+          <p:cNvPr id="6" name="Content Placeholder 5">
+            <a:extLst>
+              <a:ext uri="{FF2B5EF4-FFF2-40B4-BE49-F238E27FC236}">
+                <a16:creationId xmlns:a16="http://schemas.microsoft.com/office/drawing/2014/main" id="{D92BDC42-C714-1210-36DA-02FA99164D50}"/>
+              </a:ext>
+            </a:extLst>
+          </p:cNvPr>
+          <p:cNvPicPr>
+            <a:picLocks noGrp="1" noChangeAspect="1"/>
+          </p:cNvPicPr>
+          <p:nvPr>
+            <p:ph sz="half" idx="1"/>
+          </p:nvPr>
+        </p:nvPicPr>
+        <p:blipFill>
+          <a:blip r:embed="rId2"/>
+          <a:stretch>
+            <a:fillRect/>
+          </a:stretch>
+        </p:blipFill>
+        <p:spPr>
+          <a:xfrm>
+            <a:off x="1449218" y="1963704"/>
+            <a:ext cx="3393716" cy="1774399"/>
+          </a:xfrm>
+        </p:spPr>
+      </p:pic>
+      <p:pic>
+        <p:nvPicPr>
+          <p:cNvPr id="8" name="Content Placeholder 7">
+            <a:extLst>
+              <a:ext uri="{FF2B5EF4-FFF2-40B4-BE49-F238E27FC236}">
+                <a16:creationId xmlns:a16="http://schemas.microsoft.com/office/drawing/2014/main" id="{4A19524A-10A4-21B8-6221-BD9ACAA33509}"/>
+              </a:ext>
+            </a:extLst>
+          </p:cNvPr>
+          <p:cNvPicPr>
+            <a:picLocks noGrp="1" noChangeAspect="1"/>
+          </p:cNvPicPr>
+          <p:nvPr>
+            <p:ph sz="half" idx="2"/>
+          </p:nvPr>
+        </p:nvPicPr>
+        <p:blipFill>
+          <a:blip r:embed="rId3"/>
+          <a:stretch>
+            <a:fillRect/>
+          </a:stretch>
+        </p:blipFill>
+        <p:spPr>
+          <a:xfrm>
+            <a:off x="4842934" y="1968367"/>
+            <a:ext cx="6211918" cy="3738165"/>
+          </a:xfrm>
+        </p:spPr>
+      </p:pic>
+    </p:spTree>
+    <p:extLst>
+      <p:ext uri="{BB962C8B-B14F-4D97-AF65-F5344CB8AC3E}">
+        <p14:creationId xmlns:p14="http://schemas.microsoft.com/office/powerpoint/2010/main" val="1661092724"/>
+      </p:ext>
+    </p:extLst>
+  </p:cSld>
+  <p:clrMapOvr>
+    <a:masterClrMapping/>
+  </p:clrMapOvr>
+</p:sld>
+</file>
+
+<file path=ppt/slides/slide16.xml><?xml version="1.0" encoding="utf-8"?>
+<p:sld xmlns:a="http://schemas.openxmlformats.org/drawingml/2006/main" xmlns:r="http://schemas.openxmlformats.org/officeDocument/2006/relationships" xmlns:p="http://schemas.openxmlformats.org/presentationml/2006/main">
+  <p:cSld>
+    <p:spTree>
+      <p:nvGrpSpPr>
+        <p:cNvPr id="1" name=""/>
+        <p:cNvGrpSpPr/>
+        <p:nvPr/>
+      </p:nvGrpSpPr>
+      <p:grpSpPr>
+        <a:xfrm>
+          <a:off x="0" y="0"/>
+          <a:ext cx="0" cy="0"/>
+          <a:chOff x="0" y="0"/>
+          <a:chExt cx="0" cy="0"/>
+        </a:xfrm>
+      </p:grpSpPr>
+      <p:sp>
+        <p:nvSpPr>
+          <p:cNvPr id="2" name="Title 1">
+            <a:extLst>
+              <a:ext uri="{FF2B5EF4-FFF2-40B4-BE49-F238E27FC236}">
                 <a16:creationId xmlns:a16="http://schemas.microsoft.com/office/drawing/2014/main" id="{FB97F7E1-A825-7E62-A568-32EBFBEDD8A9}"/>
               </a:ext>
             </a:extLst>
@@ -4041,7 +4468,7 @@
 </p:sld>
 </file>
 
-<file path=ppt/slides/slide13.xml><?xml version="1.0" encoding="utf-8"?>
+<file path=ppt/slides/slide17.xml><?xml version="1.0" encoding="utf-8"?>
 <p:sld xmlns:a="http://schemas.openxmlformats.org/drawingml/2006/main" xmlns:r="http://schemas.openxmlformats.org/officeDocument/2006/relationships" xmlns:p="http://schemas.openxmlformats.org/presentationml/2006/main">
   <p:cSld>
     <p:spTree>
@@ -4179,7 +4606,7 @@
 </p:sld>
 </file>
 
-<file path=ppt/slides/slide14.xml><?xml version="1.0" encoding="utf-8"?>
+<file path=ppt/slides/slide18.xml><?xml version="1.0" encoding="utf-8"?>
 <p:sld xmlns:a="http://schemas.openxmlformats.org/drawingml/2006/main" xmlns:r="http://schemas.openxmlformats.org/officeDocument/2006/relationships" xmlns:p="http://schemas.openxmlformats.org/presentationml/2006/main">
   <p:cSld>
     <p:spTree>
@@ -4299,7 +4726,7 @@
 </p:sld>
 </file>
 
-<file path=ppt/slides/slide15.xml><?xml version="1.0" encoding="utf-8"?>
+<file path=ppt/slides/slide19.xml><?xml version="1.0" encoding="utf-8"?>
 <p:sld xmlns:a="http://schemas.openxmlformats.org/drawingml/2006/main" xmlns:r="http://schemas.openxmlformats.org/officeDocument/2006/relationships" xmlns:p="http://schemas.openxmlformats.org/presentationml/2006/main">
   <p:cSld>
     <p:spTree>
@@ -4408,164 +4835,6 @@
     <p:extLst>
       <p:ext uri="{BB962C8B-B14F-4D97-AF65-F5344CB8AC3E}">
         <p14:creationId xmlns:p14="http://schemas.microsoft.com/office/powerpoint/2010/main" val="3509567079"/>
-      </p:ext>
-    </p:extLst>
-  </p:cSld>
-  <p:clrMapOvr>
-    <a:masterClrMapping/>
-  </p:clrMapOvr>
-</p:sld>
-</file>
-
-<file path=ppt/slides/slide16.xml><?xml version="1.0" encoding="utf-8"?>
-<p:sld xmlns:a="http://schemas.openxmlformats.org/drawingml/2006/main" xmlns:r="http://schemas.openxmlformats.org/officeDocument/2006/relationships" xmlns:p="http://schemas.openxmlformats.org/presentationml/2006/main">
-  <p:cSld>
-    <p:spTree>
-      <p:nvGrpSpPr>
-        <p:cNvPr id="1" name=""/>
-        <p:cNvGrpSpPr/>
-        <p:nvPr/>
-      </p:nvGrpSpPr>
-      <p:grpSpPr>
-        <a:xfrm>
-          <a:off x="0" y="0"/>
-          <a:ext cx="0" cy="0"/>
-          <a:chOff x="0" y="0"/>
-          <a:chExt cx="0" cy="0"/>
-        </a:xfrm>
-      </p:grpSpPr>
-      <p:sp>
-        <p:nvSpPr>
-          <p:cNvPr id="2" name="Title 1">
-            <a:extLst>
-              <a:ext uri="{FF2B5EF4-FFF2-40B4-BE49-F238E27FC236}">
-                <a16:creationId xmlns:a16="http://schemas.microsoft.com/office/drawing/2014/main" id="{3862252F-CECF-2A70-863E-9ACC2C3AE2C9}"/>
-              </a:ext>
-            </a:extLst>
-          </p:cNvPr>
-          <p:cNvSpPr>
-            <a:spLocks noGrp="1"/>
-          </p:cNvSpPr>
-          <p:nvPr>
-            <p:ph type="title"/>
-          </p:nvPr>
-        </p:nvSpPr>
-        <p:spPr/>
-        <p:txBody>
-          <a:bodyPr/>
-          <a:lstStyle/>
-          <a:p>
-            <a:pPr algn="ctr"/>
-            <a:r>
-              <a:rPr lang="en-US" dirty="0"/>
-              <a:t>results and features</a:t>
-            </a:r>
-          </a:p>
-        </p:txBody>
-      </p:sp>
-      <p:sp>
-        <p:nvSpPr>
-          <p:cNvPr id="3" name="Content Placeholder 2">
-            <a:extLst>
-              <a:ext uri="{FF2B5EF4-FFF2-40B4-BE49-F238E27FC236}">
-                <a16:creationId xmlns:a16="http://schemas.microsoft.com/office/drawing/2014/main" id="{5439413B-C5D3-57F1-7551-E7B5420313A5}"/>
-              </a:ext>
-            </a:extLst>
-          </p:cNvPr>
-          <p:cNvSpPr>
-            <a:spLocks noGrp="1"/>
-          </p:cNvSpPr>
-          <p:nvPr>
-            <p:ph idx="1"/>
-          </p:nvPr>
-        </p:nvSpPr>
-        <p:spPr/>
-        <p:txBody>
-          <a:bodyPr/>
-          <a:lstStyle/>
-          <a:p>
-            <a:r>
-              <a:rPr lang="en-US" dirty="0"/>
-              <a:t>Using a combination of datasets and APIs from sources on the internet, we were able to construct a machine learning model that accurately predicted the price of a used car based on various criteria, such as price, make, model, and year. </a:t>
-            </a:r>
-          </a:p>
-          <a:p>
-            <a:r>
-              <a:rPr lang="en-US" dirty="0"/>
-              <a:t>We were able to construct visualizations to illustrate the model</a:t>
-            </a:r>
-          </a:p>
-          <a:p>
-            <a:r>
-              <a:rPr lang="en-US" dirty="0"/>
-              <a:t>We were also able to incorporate an interactive link, where users could estimate the value of a car they were trying to sell, based again, on similar criteria that they input</a:t>
-            </a:r>
-          </a:p>
-        </p:txBody>
-      </p:sp>
-    </p:spTree>
-    <p:extLst>
-      <p:ext uri="{BB962C8B-B14F-4D97-AF65-F5344CB8AC3E}">
-        <p14:creationId xmlns:p14="http://schemas.microsoft.com/office/powerpoint/2010/main" val="989769135"/>
-      </p:ext>
-    </p:extLst>
-  </p:cSld>
-  <p:clrMapOvr>
-    <a:masterClrMapping/>
-  </p:clrMapOvr>
-</p:sld>
-</file>
-
-<file path=ppt/slides/slide17.xml><?xml version="1.0" encoding="utf-8"?>
-<p:sld xmlns:a="http://schemas.openxmlformats.org/drawingml/2006/main" xmlns:r="http://schemas.openxmlformats.org/officeDocument/2006/relationships" xmlns:p="http://schemas.openxmlformats.org/presentationml/2006/main">
-  <p:cSld>
-    <p:spTree>
-      <p:nvGrpSpPr>
-        <p:cNvPr id="1" name=""/>
-        <p:cNvGrpSpPr/>
-        <p:nvPr/>
-      </p:nvGrpSpPr>
-      <p:grpSpPr>
-        <a:xfrm>
-          <a:off x="0" y="0"/>
-          <a:ext cx="0" cy="0"/>
-          <a:chOff x="0" y="0"/>
-          <a:chExt cx="0" cy="0"/>
-        </a:xfrm>
-      </p:grpSpPr>
-      <p:sp>
-        <p:nvSpPr>
-          <p:cNvPr id="2" name="Title 1">
-            <a:extLst>
-              <a:ext uri="{FF2B5EF4-FFF2-40B4-BE49-F238E27FC236}">
-                <a16:creationId xmlns:a16="http://schemas.microsoft.com/office/drawing/2014/main" id="{324CC720-304A-CF0C-DD92-5B7398F206F6}"/>
-              </a:ext>
-            </a:extLst>
-          </p:cNvPr>
-          <p:cNvSpPr>
-            <a:spLocks noGrp="1"/>
-          </p:cNvSpPr>
-          <p:nvPr>
-            <p:ph type="ctrTitle"/>
-          </p:nvPr>
-        </p:nvSpPr>
-        <p:spPr/>
-        <p:txBody>
-          <a:bodyPr/>
-          <a:lstStyle/>
-          <a:p>
-            <a:pPr algn="ctr"/>
-            <a:r>
-              <a:rPr lang="en-US" dirty="0"/>
-              <a:t>Questions</a:t>
-            </a:r>
-          </a:p>
-        </p:txBody>
-      </p:sp>
-    </p:spTree>
-    <p:extLst>
-      <p:ext uri="{BB962C8B-B14F-4D97-AF65-F5344CB8AC3E}">
-        <p14:creationId xmlns:p14="http://schemas.microsoft.com/office/powerpoint/2010/main" val="3365121694"/>
       </p:ext>
     </p:extLst>
   </p:cSld>
@@ -4656,6 +4925,164 @@
     <p:extLst>
       <p:ext uri="{BB962C8B-B14F-4D97-AF65-F5344CB8AC3E}">
         <p14:creationId xmlns:p14="http://schemas.microsoft.com/office/powerpoint/2010/main" val="3047616289"/>
+      </p:ext>
+    </p:extLst>
+  </p:cSld>
+  <p:clrMapOvr>
+    <a:masterClrMapping/>
+  </p:clrMapOvr>
+</p:sld>
+</file>
+
+<file path=ppt/slides/slide20.xml><?xml version="1.0" encoding="utf-8"?>
+<p:sld xmlns:a="http://schemas.openxmlformats.org/drawingml/2006/main" xmlns:r="http://schemas.openxmlformats.org/officeDocument/2006/relationships" xmlns:p="http://schemas.openxmlformats.org/presentationml/2006/main">
+  <p:cSld>
+    <p:spTree>
+      <p:nvGrpSpPr>
+        <p:cNvPr id="1" name=""/>
+        <p:cNvGrpSpPr/>
+        <p:nvPr/>
+      </p:nvGrpSpPr>
+      <p:grpSpPr>
+        <a:xfrm>
+          <a:off x="0" y="0"/>
+          <a:ext cx="0" cy="0"/>
+          <a:chOff x="0" y="0"/>
+          <a:chExt cx="0" cy="0"/>
+        </a:xfrm>
+      </p:grpSpPr>
+      <p:sp>
+        <p:nvSpPr>
+          <p:cNvPr id="2" name="Title 1">
+            <a:extLst>
+              <a:ext uri="{FF2B5EF4-FFF2-40B4-BE49-F238E27FC236}">
+                <a16:creationId xmlns:a16="http://schemas.microsoft.com/office/drawing/2014/main" id="{3862252F-CECF-2A70-863E-9ACC2C3AE2C9}"/>
+              </a:ext>
+            </a:extLst>
+          </p:cNvPr>
+          <p:cNvSpPr>
+            <a:spLocks noGrp="1"/>
+          </p:cNvSpPr>
+          <p:nvPr>
+            <p:ph type="title"/>
+          </p:nvPr>
+        </p:nvSpPr>
+        <p:spPr/>
+        <p:txBody>
+          <a:bodyPr/>
+          <a:lstStyle/>
+          <a:p>
+            <a:pPr algn="ctr"/>
+            <a:r>
+              <a:rPr lang="en-US" dirty="0"/>
+              <a:t>results and features</a:t>
+            </a:r>
+          </a:p>
+        </p:txBody>
+      </p:sp>
+      <p:sp>
+        <p:nvSpPr>
+          <p:cNvPr id="3" name="Content Placeholder 2">
+            <a:extLst>
+              <a:ext uri="{FF2B5EF4-FFF2-40B4-BE49-F238E27FC236}">
+                <a16:creationId xmlns:a16="http://schemas.microsoft.com/office/drawing/2014/main" id="{5439413B-C5D3-57F1-7551-E7B5420313A5}"/>
+              </a:ext>
+            </a:extLst>
+          </p:cNvPr>
+          <p:cNvSpPr>
+            <a:spLocks noGrp="1"/>
+          </p:cNvSpPr>
+          <p:nvPr>
+            <p:ph idx="1"/>
+          </p:nvPr>
+        </p:nvSpPr>
+        <p:spPr/>
+        <p:txBody>
+          <a:bodyPr/>
+          <a:lstStyle/>
+          <a:p>
+            <a:r>
+              <a:rPr lang="en-US" dirty="0"/>
+              <a:t>Using a combination of datasets and APIs from sources on the internet, we were able to construct a machine learning model that accurately predicted the price of a used car based on various criteria, such as price, make, model, and year. </a:t>
+            </a:r>
+          </a:p>
+          <a:p>
+            <a:r>
+              <a:rPr lang="en-US" dirty="0"/>
+              <a:t>We were able to construct visualizations to illustrate the model</a:t>
+            </a:r>
+          </a:p>
+          <a:p>
+            <a:r>
+              <a:rPr lang="en-US" dirty="0"/>
+              <a:t>We were also able to incorporate an interactive link, where users could estimate the value of a car they were trying to sell, based again, on similar criteria that they input</a:t>
+            </a:r>
+          </a:p>
+        </p:txBody>
+      </p:sp>
+    </p:spTree>
+    <p:extLst>
+      <p:ext uri="{BB962C8B-B14F-4D97-AF65-F5344CB8AC3E}">
+        <p14:creationId xmlns:p14="http://schemas.microsoft.com/office/powerpoint/2010/main" val="989769135"/>
+      </p:ext>
+    </p:extLst>
+  </p:cSld>
+  <p:clrMapOvr>
+    <a:masterClrMapping/>
+  </p:clrMapOvr>
+</p:sld>
+</file>
+
+<file path=ppt/slides/slide21.xml><?xml version="1.0" encoding="utf-8"?>
+<p:sld xmlns:a="http://schemas.openxmlformats.org/drawingml/2006/main" xmlns:r="http://schemas.openxmlformats.org/officeDocument/2006/relationships" xmlns:p="http://schemas.openxmlformats.org/presentationml/2006/main">
+  <p:cSld>
+    <p:spTree>
+      <p:nvGrpSpPr>
+        <p:cNvPr id="1" name=""/>
+        <p:cNvGrpSpPr/>
+        <p:nvPr/>
+      </p:nvGrpSpPr>
+      <p:grpSpPr>
+        <a:xfrm>
+          <a:off x="0" y="0"/>
+          <a:ext cx="0" cy="0"/>
+          <a:chOff x="0" y="0"/>
+          <a:chExt cx="0" cy="0"/>
+        </a:xfrm>
+      </p:grpSpPr>
+      <p:sp>
+        <p:nvSpPr>
+          <p:cNvPr id="2" name="Title 1">
+            <a:extLst>
+              <a:ext uri="{FF2B5EF4-FFF2-40B4-BE49-F238E27FC236}">
+                <a16:creationId xmlns:a16="http://schemas.microsoft.com/office/drawing/2014/main" id="{324CC720-304A-CF0C-DD92-5B7398F206F6}"/>
+              </a:ext>
+            </a:extLst>
+          </p:cNvPr>
+          <p:cNvSpPr>
+            <a:spLocks noGrp="1"/>
+          </p:cNvSpPr>
+          <p:nvPr>
+            <p:ph type="ctrTitle"/>
+          </p:nvPr>
+        </p:nvSpPr>
+        <p:spPr/>
+        <p:txBody>
+          <a:bodyPr/>
+          <a:lstStyle/>
+          <a:p>
+            <a:pPr algn="ctr"/>
+            <a:r>
+              <a:rPr lang="en-US" dirty="0"/>
+              <a:t>Questions</a:t>
+            </a:r>
+          </a:p>
+        </p:txBody>
+      </p:sp>
+    </p:spTree>
+    <p:extLst>
+      <p:ext uri="{BB962C8B-B14F-4D97-AF65-F5344CB8AC3E}">
+        <p14:creationId xmlns:p14="http://schemas.microsoft.com/office/powerpoint/2010/main" val="3365121694"/>
       </p:ext>
     </p:extLst>
   </p:cSld>
@@ -5473,7 +5900,7 @@
           <p:cNvPr id="2" name="Title 1">
             <a:extLst>
               <a:ext uri="{FF2B5EF4-FFF2-40B4-BE49-F238E27FC236}">
-                <a16:creationId xmlns:a16="http://schemas.microsoft.com/office/drawing/2014/main" id="{6603677C-2BEF-41AB-DFBD-4923E33AE3EC}"/>
+                <a16:creationId xmlns:a16="http://schemas.microsoft.com/office/drawing/2014/main" id="{2B3B31FC-A654-B1AB-59CE-38C7457FD86C}"/>
               </a:ext>
             </a:extLst>
           </p:cNvPr>
@@ -5481,63 +5908,75 @@
             <a:spLocks noGrp="1"/>
           </p:cNvSpPr>
           <p:nvPr>
-            <p:ph type="ctrTitle"/>
-          </p:nvPr>
-        </p:nvSpPr>
-        <p:spPr>
-          <a:xfrm>
-            <a:off x="2417779" y="802298"/>
-            <a:ext cx="8637073" cy="1119635"/>
-          </a:xfrm>
-        </p:spPr>
-        <p:txBody>
-          <a:bodyPr>
-            <a:normAutofit/>
-          </a:bodyPr>
+            <p:ph type="title"/>
+          </p:nvPr>
+        </p:nvSpPr>
+        <p:spPr/>
+        <p:txBody>
+          <a:bodyPr/>
           <a:lstStyle/>
           <a:p>
             <a:pPr algn="ctr"/>
             <a:r>
-              <a:rPr lang="en-US" sz="4000" dirty="0"/>
-              <a:t>The machine learning model</a:t>
-            </a:r>
-          </a:p>
-        </p:txBody>
-      </p:sp>
-      <p:pic>
-        <p:nvPicPr>
-          <p:cNvPr id="5" name="Picture 4">
+              <a:rPr lang="en-US" dirty="0"/>
+              <a:t>Used car Price predictor using Flask</a:t>
+            </a:r>
+          </a:p>
+        </p:txBody>
+      </p:sp>
+      <p:sp>
+        <p:nvSpPr>
+          <p:cNvPr id="3" name="Content Placeholder 2">
             <a:extLst>
               <a:ext uri="{FF2B5EF4-FFF2-40B4-BE49-F238E27FC236}">
-                <a16:creationId xmlns:a16="http://schemas.microsoft.com/office/drawing/2014/main" id="{BAE4366A-D257-6B1A-2A7A-4ECA2D6462D4}"/>
+                <a16:creationId xmlns:a16="http://schemas.microsoft.com/office/drawing/2014/main" id="{DB5EB702-ACB8-4D43-8ADF-C1E3AF476470}"/>
               </a:ext>
             </a:extLst>
           </p:cNvPr>
-          <p:cNvPicPr>
-            <a:picLocks noChangeAspect="1"/>
-          </p:cNvPicPr>
-          <p:nvPr/>
-        </p:nvPicPr>
-        <p:blipFill>
-          <a:blip r:embed="rId2"/>
-          <a:stretch>
-            <a:fillRect/>
-          </a:stretch>
-        </p:blipFill>
-        <p:spPr>
-          <a:xfrm>
-            <a:off x="2554256" y="1921933"/>
-            <a:ext cx="8364117" cy="1514686"/>
-          </a:xfrm>
-          <a:prstGeom prst="rect">
-            <a:avLst/>
-          </a:prstGeom>
-        </p:spPr>
-      </p:pic>
+          <p:cNvSpPr>
+            <a:spLocks noGrp="1"/>
+          </p:cNvSpPr>
+          <p:nvPr>
+            <p:ph idx="1"/>
+          </p:nvPr>
+        </p:nvSpPr>
+        <p:spPr/>
+        <p:txBody>
+          <a:bodyPr>
+            <a:normAutofit lnSpcReduction="10000"/>
+          </a:bodyPr>
+          <a:lstStyle/>
+          <a:p>
+            <a:r>
+              <a:rPr lang="en-US" dirty="0"/>
+              <a:t>Several columns are converted to numeric types to ensure proper analysis. The price column is converted from "lakhs" to USD using a conversion rate of 1 lakh = 1350 USD. The original price column is then dropped. Unnecessary columns, such as 'Unnamed: 0', are dropped. The 'ownership' column is renamed from a misspelled version to ensure consistency in the dataset. cleaning and preparing the dataset for further analysis, ensuring that all relevant data is in the correct format for subsequent modeling and evaluation. The we identify missing values in both datasets and drops rows with missing data to clean the datasets further. datasets are merged based on common columns such as index, Make, and Model. We used various machine learning tools such as </a:t>
+            </a:r>
+            <a:r>
+              <a:rPr lang="en-US" dirty="0" err="1"/>
+              <a:t>LinearRegression</a:t>
+            </a:r>
+            <a:r>
+              <a:rPr lang="en-US" dirty="0"/>
+              <a:t> and </a:t>
+            </a:r>
+            <a:r>
+              <a:rPr lang="en-US" dirty="0" err="1"/>
+              <a:t>RandomForestRegressor</a:t>
+            </a:r>
+            <a:r>
+              <a:rPr lang="en-US" dirty="0"/>
+              <a:t> to plot future prices in next five years.</a:t>
+            </a:r>
+          </a:p>
+          <a:p>
+            <a:endParaRPr lang="en-US" dirty="0"/>
+          </a:p>
+        </p:txBody>
+      </p:sp>
     </p:spTree>
     <p:extLst>
       <p:ext uri="{BB962C8B-B14F-4D97-AF65-F5344CB8AC3E}">
-        <p14:creationId xmlns:p14="http://schemas.microsoft.com/office/powerpoint/2010/main" val="1598635671"/>
+        <p14:creationId xmlns:p14="http://schemas.microsoft.com/office/powerpoint/2010/main" val="3840912905"/>
       </p:ext>
     </p:extLst>
   </p:cSld>
@@ -5569,7 +6008,7 @@
           <p:cNvPr id="2" name="Title 1">
             <a:extLst>
               <a:ext uri="{FF2B5EF4-FFF2-40B4-BE49-F238E27FC236}">
-                <a16:creationId xmlns:a16="http://schemas.microsoft.com/office/drawing/2014/main" id="{20B85538-6EA6-EC67-6160-A50F86D4E14A}"/>
+                <a16:creationId xmlns:a16="http://schemas.microsoft.com/office/drawing/2014/main" id="{2B3B31FC-A654-B1AB-59CE-38C7457FD86C}"/>
               </a:ext>
             </a:extLst>
           </p:cNvPr>
@@ -5580,59 +6019,115 @@
             <p:ph type="title"/>
           </p:nvPr>
         </p:nvSpPr>
-        <p:spPr>
-          <a:xfrm>
-            <a:off x="1451579" y="804520"/>
-            <a:ext cx="9603275" cy="736414"/>
-          </a:xfrm>
-        </p:spPr>
-        <p:txBody>
-          <a:bodyPr>
-            <a:normAutofit/>
-          </a:bodyPr>
+        <p:spPr/>
+        <p:txBody>
+          <a:bodyPr/>
           <a:lstStyle/>
           <a:p>
             <a:pPr algn="ctr"/>
             <a:r>
-              <a:rPr lang="en-US" sz="1600" dirty="0"/>
-              <a:t>We used our cleaned data in python/pandas to construct a model to predict the price of used cars, and compared our predictions to the data</a:t>
-            </a:r>
-          </a:p>
-        </p:txBody>
-      </p:sp>
-      <p:pic>
-        <p:nvPicPr>
-          <p:cNvPr id="5" name="Content Placeholder 4">
+              <a:rPr lang="en-US" dirty="0"/>
+              <a:t>Used car price predictor using flask</a:t>
+            </a:r>
+          </a:p>
+        </p:txBody>
+      </p:sp>
+      <p:sp>
+        <p:nvSpPr>
+          <p:cNvPr id="3" name="Content Placeholder 2">
             <a:extLst>
               <a:ext uri="{FF2B5EF4-FFF2-40B4-BE49-F238E27FC236}">
-                <a16:creationId xmlns:a16="http://schemas.microsoft.com/office/drawing/2014/main" id="{FC77FF19-795E-0646-7F1B-0D8C9D502D38}"/>
+                <a16:creationId xmlns:a16="http://schemas.microsoft.com/office/drawing/2014/main" id="{DB5EB702-ACB8-4D43-8ADF-C1E3AF476470}"/>
               </a:ext>
             </a:extLst>
           </p:cNvPr>
-          <p:cNvPicPr>
-            <a:picLocks noGrp="1" noChangeAspect="1"/>
-          </p:cNvPicPr>
+          <p:cNvSpPr>
+            <a:spLocks noGrp="1"/>
+          </p:cNvSpPr>
           <p:nvPr>
             <p:ph idx="1"/>
           </p:nvPr>
-        </p:nvPicPr>
-        <p:blipFill>
-          <a:blip r:embed="rId2"/>
-          <a:stretch>
-            <a:fillRect/>
-          </a:stretch>
-        </p:blipFill>
-        <p:spPr>
-          <a:xfrm>
-            <a:off x="3101524" y="2109258"/>
-            <a:ext cx="7177010" cy="3449638"/>
-          </a:xfrm>
-        </p:spPr>
-      </p:pic>
+        </p:nvSpPr>
+        <p:spPr/>
+        <p:txBody>
+          <a:bodyPr>
+            <a:normAutofit lnSpcReduction="10000"/>
+          </a:bodyPr>
+          <a:lstStyle/>
+          <a:p>
+            <a:r>
+              <a:rPr lang="en-US" dirty="0"/>
+              <a:t>Using Pandas </a:t>
+            </a:r>
+            <a:r>
+              <a:rPr lang="en-US" dirty="0" err="1"/>
+              <a:t>Numpy</a:t>
+            </a:r>
+            <a:r>
+              <a:rPr lang="en-US" dirty="0"/>
+              <a:t> and </a:t>
+            </a:r>
+            <a:r>
+              <a:rPr lang="en-US" dirty="0" err="1"/>
+              <a:t>SKLearn</a:t>
+            </a:r>
+            <a:r>
+              <a:rPr lang="en-US" dirty="0"/>
+              <a:t> libraries</a:t>
+            </a:r>
+            <a:br>
+              <a:rPr lang="en-US" dirty="0"/>
+            </a:br>
+            <a:r>
+              <a:rPr lang="en-US" dirty="0"/>
+              <a:t>All the factors are normalized using Min-Max scaling to a scale of 0 to 1. This step ensures that each factor contributes proportionally to the final score, making the different criteria comparable by 3. </a:t>
+            </a:r>
+            <a:br>
+              <a:rPr lang="en-US" dirty="0"/>
+            </a:br>
+            <a:r>
+              <a:rPr lang="en-US" dirty="0"/>
+              <a:t>Then sum up the normalized values of the positive factors.  Those being</a:t>
+            </a:r>
+            <a:br>
+              <a:rPr lang="en-US" dirty="0"/>
+            </a:br>
+            <a:r>
+              <a:rPr lang="en-US" dirty="0"/>
+              <a:t>Fuel efficiency, torque, horse power and year made. </a:t>
+            </a:r>
+            <a:br>
+              <a:rPr lang="en-US" dirty="0"/>
+            </a:br>
+            <a:r>
+              <a:rPr lang="en-US" dirty="0"/>
+              <a:t>Subtracting the normalized values of the negative factors.</a:t>
+            </a:r>
+            <a:br>
+              <a:rPr lang="en-US" dirty="0"/>
+            </a:br>
+            <a:r>
+              <a:rPr lang="en-US" dirty="0"/>
+              <a:t>Engine size, mileage, price and previous owners. </a:t>
+            </a:r>
+            <a:br>
+              <a:rPr lang="en-US" dirty="0"/>
+            </a:br>
+            <a:r>
+              <a:rPr lang="en-US" dirty="0"/>
+              <a:t> The resulting score is then normalized to a 0-100 scale to make it easier to interpret.</a:t>
+            </a:r>
+            <a:br>
+              <a:rPr lang="en-US" dirty="0"/>
+            </a:br>
+            <a:endParaRPr lang="en-US" dirty="0"/>
+          </a:p>
+        </p:txBody>
+      </p:sp>
     </p:spTree>
     <p:extLst>
       <p:ext uri="{BB962C8B-B14F-4D97-AF65-F5344CB8AC3E}">
-        <p14:creationId xmlns:p14="http://schemas.microsoft.com/office/powerpoint/2010/main" val="3733975472"/>
+        <p14:creationId xmlns:p14="http://schemas.microsoft.com/office/powerpoint/2010/main" val="1243097409"/>
       </p:ext>
     </p:extLst>
   </p:cSld>
@@ -5893,4 +6388,10 @@
     </a:ext>
   </a:extLst>
 </a:theme>
+</file>
+
+<file path=docMetadata/LabelInfo.xml><?xml version="1.0" encoding="utf-8"?>
+<clbl:labelList xmlns:clbl="http://schemas.microsoft.com/office/2020/mipLabelMetadata">
+  <clbl:label id="{2c7890e8-8459-473b-8b86-643375e9aab5}" enabled="1" method="Privileged" siteId="{8c642d1d-d709-47b0-ab10-080af10798fb}" contentBits="0" removed="0"/>
+</clbl:labelList>
 </file>
--- a/Project 4 – Car pricing predictor master.pptx
+++ b/Project 4 – Car pricing predictor master.pptx
@@ -12,20 +12,16 @@
     <p:sldId id="259" r:id="rId6"/>
     <p:sldId id="264" r:id="rId7"/>
     <p:sldId id="265" r:id="rId8"/>
-    <p:sldId id="276" r:id="rId9"/>
-    <p:sldId id="277" r:id="rId10"/>
-    <p:sldId id="278" r:id="rId11"/>
-    <p:sldId id="279" r:id="rId12"/>
-    <p:sldId id="270" r:id="rId13"/>
-    <p:sldId id="271" r:id="rId14"/>
-    <p:sldId id="272" r:id="rId15"/>
-    <p:sldId id="273" r:id="rId16"/>
-    <p:sldId id="274" r:id="rId17"/>
-    <p:sldId id="267" r:id="rId18"/>
-    <p:sldId id="266" r:id="rId19"/>
-    <p:sldId id="268" r:id="rId20"/>
-    <p:sldId id="260" r:id="rId21"/>
-    <p:sldId id="269" r:id="rId22"/>
+    <p:sldId id="270" r:id="rId9"/>
+    <p:sldId id="271" r:id="rId10"/>
+    <p:sldId id="272" r:id="rId11"/>
+    <p:sldId id="273" r:id="rId12"/>
+    <p:sldId id="274" r:id="rId13"/>
+    <p:sldId id="267" r:id="rId14"/>
+    <p:sldId id="266" r:id="rId15"/>
+    <p:sldId id="268" r:id="rId16"/>
+    <p:sldId id="260" r:id="rId17"/>
+    <p:sldId id="269" r:id="rId18"/>
   </p:sldIdLst>
   <p:sldSz cx="12192000" cy="6858000"/>
   <p:notesSz cx="6858000" cy="9144000"/>
@@ -271,7 +267,7 @@
           <a:p>
             <a:fld id="{48A87A34-81AB-432B-8DAE-1953F412C126}" type="datetimeFigureOut">
               <a:rPr lang="en-US" dirty="0"/>
-              <a:t>8/17/2024</a:t>
+              <a:t>8/16/2024</a:t>
             </a:fld>
             <a:endParaRPr lang="en-US" dirty="0"/>
           </a:p>
@@ -477,7 +473,7 @@
           <a:p>
             <a:fld id="{48A87A34-81AB-432B-8DAE-1953F412C126}" type="datetimeFigureOut">
               <a:rPr lang="en-US" dirty="0"/>
-              <a:t>8/17/2024</a:t>
+              <a:t>8/16/2024</a:t>
             </a:fld>
             <a:endParaRPr lang="en-US" dirty="0"/>
           </a:p>
@@ -687,7 +683,7 @@
           <a:p>
             <a:fld id="{48A87A34-81AB-432B-8DAE-1953F412C126}" type="datetimeFigureOut">
               <a:rPr lang="en-US" dirty="0"/>
-              <a:t>8/17/2024</a:t>
+              <a:t>8/16/2024</a:t>
             </a:fld>
             <a:endParaRPr lang="en-US" dirty="0"/>
           </a:p>
@@ -883,7 +879,7 @@
           <a:p>
             <a:fld id="{48A87A34-81AB-432B-8DAE-1953F412C126}" type="datetimeFigureOut">
               <a:rPr lang="en-US" dirty="0"/>
-              <a:t>8/17/2024</a:t>
+              <a:t>8/16/2024</a:t>
             </a:fld>
             <a:endParaRPr lang="en-US" dirty="0"/>
           </a:p>
@@ -1157,7 +1153,7 @@
           <a:p>
             <a:fld id="{48A87A34-81AB-432B-8DAE-1953F412C126}" type="datetimeFigureOut">
               <a:rPr lang="en-US" dirty="0"/>
-              <a:t>8/17/2024</a:t>
+              <a:t>8/16/2024</a:t>
             </a:fld>
             <a:endParaRPr lang="en-US" dirty="0"/>
           </a:p>
@@ -1420,7 +1416,7 @@
           <a:p>
             <a:fld id="{48A87A34-81AB-432B-8DAE-1953F412C126}" type="datetimeFigureOut">
               <a:rPr lang="en-US" dirty="0"/>
-              <a:t>8/17/2024</a:t>
+              <a:t>8/16/2024</a:t>
             </a:fld>
             <a:endParaRPr lang="en-US" dirty="0"/>
           </a:p>
@@ -1831,7 +1827,7 @@
           <a:p>
             <a:fld id="{48A87A34-81AB-432B-8DAE-1953F412C126}" type="datetimeFigureOut">
               <a:rPr lang="en-US" dirty="0"/>
-              <a:t>8/17/2024</a:t>
+              <a:t>8/16/2024</a:t>
             </a:fld>
             <a:endParaRPr lang="en-US" dirty="0"/>
           </a:p>
@@ -1975,7 +1971,7 @@
           <a:p>
             <a:fld id="{48A87A34-81AB-432B-8DAE-1953F412C126}" type="datetimeFigureOut">
               <a:rPr lang="en-US" dirty="0"/>
-              <a:t>8/17/2024</a:t>
+              <a:t>8/16/2024</a:t>
             </a:fld>
             <a:endParaRPr lang="en-US" dirty="0"/>
           </a:p>
@@ -2096,7 +2092,7 @@
           <a:p>
             <a:fld id="{48A87A34-81AB-432B-8DAE-1953F412C126}" type="datetimeFigureOut">
               <a:rPr lang="en-US" dirty="0"/>
-              <a:t>8/17/2024</a:t>
+              <a:t>8/16/2024</a:t>
             </a:fld>
             <a:endParaRPr lang="en-US" dirty="0"/>
           </a:p>
@@ -2342,7 +2338,7 @@
           <a:p>
             <a:fld id="{48A87A34-81AB-432B-8DAE-1953F412C126}" type="datetimeFigureOut">
               <a:rPr lang="en-US" dirty="0"/>
-              <a:t>8/17/2024</a:t>
+              <a:t>8/16/2024</a:t>
             </a:fld>
             <a:endParaRPr lang="en-US" dirty="0"/>
           </a:p>
@@ -2783,7 +2779,7 @@
             <a:fld id="{48A87A34-81AB-432B-8DAE-1953F412C126}" type="datetimeFigureOut">
               <a:rPr lang="en-US" dirty="0"/>
               <a:pPr/>
-              <a:t>8/17/2024</a:t>
+              <a:t>8/16/2024</a:t>
             </a:fld>
             <a:endParaRPr lang="en-US" dirty="0"/>
           </a:p>
@@ -3106,7 +3102,7 @@
             <a:fld id="{48A87A34-81AB-432B-8DAE-1953F412C126}" type="datetimeFigureOut">
               <a:rPr lang="en-US" dirty="0"/>
               <a:pPr/>
-              <a:t>8/17/2024</a:t>
+              <a:t>8/16/2024</a:t>
             </a:fld>
             <a:endParaRPr lang="en-US" dirty="0"/>
           </a:p>
@@ -3741,7 +3737,7 @@
           <p:cNvPr id="2" name="Title 1">
             <a:extLst>
               <a:ext uri="{FF2B5EF4-FFF2-40B4-BE49-F238E27FC236}">
-                <a16:creationId xmlns:a16="http://schemas.microsoft.com/office/drawing/2014/main" id="{2B3B31FC-A654-B1AB-59CE-38C7457FD86C}"/>
+                <a16:creationId xmlns:a16="http://schemas.microsoft.com/office/drawing/2014/main" id="{0A85F448-930F-9929-1FAF-6B082203547D}"/>
               </a:ext>
             </a:extLst>
           </p:cNvPr>
@@ -3754,58 +3750,34 @@
         </p:nvSpPr>
         <p:spPr/>
         <p:txBody>
-          <a:bodyPr/>
+          <a:bodyPr>
+            <a:normAutofit/>
+          </a:bodyPr>
           <a:lstStyle/>
           <a:p>
             <a:pPr algn="ctr"/>
             <a:r>
-              <a:rPr lang="en-US" dirty="0"/>
-              <a:t>Used car price predictor using flask</a:t>
-            </a:r>
-          </a:p>
-        </p:txBody>
-      </p:sp>
-      <p:sp>
-        <p:nvSpPr>
-          <p:cNvPr id="3" name="Content Placeholder 2">
+              <a:rPr lang="en-US" sz="1600" dirty="0"/>
+              <a:t>Refining the model</a:t>
+            </a:r>
+          </a:p>
+        </p:txBody>
+      </p:sp>
+      <p:pic>
+        <p:nvPicPr>
+          <p:cNvPr id="5" name="Content Placeholder 4">
             <a:extLst>
               <a:ext uri="{FF2B5EF4-FFF2-40B4-BE49-F238E27FC236}">
-                <a16:creationId xmlns:a16="http://schemas.microsoft.com/office/drawing/2014/main" id="{DB5EB702-ACB8-4D43-8ADF-C1E3AF476470}"/>
-              </a:ext>
-            </a:extLst>
-          </p:cNvPr>
-          <p:cNvSpPr>
-            <a:spLocks noGrp="1"/>
-          </p:cNvSpPr>
-          <p:nvPr>
-            <p:ph idx="1"/>
-          </p:nvPr>
-        </p:nvSpPr>
-        <p:spPr/>
-        <p:txBody>
-          <a:bodyPr/>
-          <a:lstStyle/>
-          <a:p>
-            <a:r>
-              <a:rPr lang="en-US" dirty="0"/>
-              <a:t>Then identified the rows that were most important for the price prediction model. These columns being the car rating, horsepower and engine. </a:t>
-            </a:r>
-          </a:p>
-        </p:txBody>
-      </p:sp>
-      <p:pic>
-        <p:nvPicPr>
-          <p:cNvPr id="5" name="Picture 4" descr="A screen shot of a graph&#10;&#10;Description automatically generated">
-            <a:extLst>
-              <a:ext uri="{FF2B5EF4-FFF2-40B4-BE49-F238E27FC236}">
-                <a16:creationId xmlns:a16="http://schemas.microsoft.com/office/drawing/2014/main" id="{822D365B-A3EE-2CBC-489F-3496841FFB2E}"/>
+                <a16:creationId xmlns:a16="http://schemas.microsoft.com/office/drawing/2014/main" id="{171E2B2A-4D39-E705-09FD-EC6D25F304DC}"/>
               </a:ext>
             </a:extLst>
           </p:cNvPr>
           <p:cNvPicPr>
-            <a:picLocks noChangeAspect="1"/>
+            <a:picLocks noGrp="1" noChangeAspect="1"/>
           </p:cNvPicPr>
-          <p:nvPr/>
+          <p:nvPr>
+            <p:ph idx="1"/>
+          </p:nvPr>
         </p:nvPicPr>
         <p:blipFill>
           <a:blip r:embed="rId2"/>
@@ -3815,18 +3787,15 @@
         </p:blipFill>
         <p:spPr>
           <a:xfrm>
-            <a:off x="3693068" y="3014662"/>
-            <a:ext cx="4805863" cy="2819682"/>
-          </a:xfrm>
-          <a:prstGeom prst="rect">
-            <a:avLst/>
-          </a:prstGeom>
+            <a:off x="3347613" y="1982259"/>
+            <a:ext cx="6270520" cy="3449638"/>
+          </a:xfrm>
         </p:spPr>
       </p:pic>
     </p:spTree>
     <p:extLst>
       <p:ext uri="{BB962C8B-B14F-4D97-AF65-F5344CB8AC3E}">
-        <p14:creationId xmlns:p14="http://schemas.microsoft.com/office/powerpoint/2010/main" val="2618647177"/>
+        <p14:creationId xmlns:p14="http://schemas.microsoft.com/office/powerpoint/2010/main" val="2115354870"/>
       </p:ext>
     </p:extLst>
   </p:cSld>
@@ -3858,7 +3827,7 @@
           <p:cNvPr id="2" name="Title 1">
             <a:extLst>
               <a:ext uri="{FF2B5EF4-FFF2-40B4-BE49-F238E27FC236}">
-                <a16:creationId xmlns:a16="http://schemas.microsoft.com/office/drawing/2014/main" id="{28B0EFE0-BD3C-A40B-1714-3DB4E8EB4A4D}"/>
+                <a16:creationId xmlns:a16="http://schemas.microsoft.com/office/drawing/2014/main" id="{1A0EB6C2-CFD9-D0E9-58F8-F3DEBA15CEF6}"/>
               </a:ext>
             </a:extLst>
           </p:cNvPr>
@@ -3871,77 +3840,79 @@
         </p:nvSpPr>
         <p:spPr/>
         <p:txBody>
-          <a:bodyPr>
-            <a:normAutofit/>
-          </a:bodyPr>
+          <a:bodyPr/>
           <a:lstStyle/>
           <a:p>
             <a:pPr algn="ctr"/>
             <a:r>
-              <a:rPr lang="en-US" dirty="0" err="1"/>
-              <a:t>Py</a:t>
-            </a:r>
-            <a:r>
               <a:rPr lang="en-US" dirty="0"/>
-              <a:t> app with flask for the </a:t>
-            </a:r>
-            <a:br>
-              <a:rPr lang="en-US" dirty="0"/>
-            </a:br>
-            <a:r>
-              <a:rPr lang="en-US" dirty="0"/>
-              <a:t>used car estimator</a:t>
-            </a:r>
-          </a:p>
-        </p:txBody>
-      </p:sp>
-      <p:sp>
-        <p:nvSpPr>
-          <p:cNvPr id="6" name="TextBox 5">
+              <a:t>A residual plot of the model</a:t>
+            </a:r>
+          </a:p>
+        </p:txBody>
+      </p:sp>
+      <p:pic>
+        <p:nvPicPr>
+          <p:cNvPr id="6" name="Content Placeholder 5">
             <a:extLst>
               <a:ext uri="{FF2B5EF4-FFF2-40B4-BE49-F238E27FC236}">
-                <a16:creationId xmlns:a16="http://schemas.microsoft.com/office/drawing/2014/main" id="{4B4B492B-C2D8-DED3-2DB5-8753A884A36C}"/>
+                <a16:creationId xmlns:a16="http://schemas.microsoft.com/office/drawing/2014/main" id="{D92BDC42-C714-1210-36DA-02FA99164D50}"/>
               </a:ext>
             </a:extLst>
           </p:cNvPr>
-          <p:cNvSpPr txBox="1"/>
-          <p:nvPr/>
-        </p:nvSpPr>
-        <p:spPr>
-          <a:xfrm>
-            <a:off x="1524000" y="2142067"/>
-            <a:ext cx="9530854" cy="2585323"/>
-          </a:xfrm>
-          <a:prstGeom prst="rect">
-            <a:avLst/>
-          </a:prstGeom>
-          <a:noFill/>
-        </p:spPr>
-        <p:txBody>
-          <a:bodyPr wrap="square" rtlCol="0">
-            <a:spAutoFit/>
-          </a:bodyPr>
-          <a:lstStyle/>
-          <a:p>
-            <a:r>
-              <a:rPr lang="en-US" dirty="0"/>
-              <a:t>Using flask and python upon initialization, the app loads two key datasets. web application is designed to estimate the value of used cars and provide a detailed rating based on various criteria These dropdowns are dynamically populated based on the unique options extracted from the datasets, ensuring that users only see relevant and available choices. Upon form submission, the app attempts to find an exact match in the dataset to calculate an average price based on similar listings. If no exact match is found, it broadens the search or defaults to an overall average price of the make and models average . The app also retrieves a rating for the selected car make and model, displaying it alongside the estimated price. The application is designed with basic error handling and is deployed on Heroku through </a:t>
-            </a:r>
-            <a:r>
-              <a:rPr lang="en-US" dirty="0" err="1"/>
-              <a:t>github</a:t>
-            </a:r>
-            <a:r>
-              <a:rPr lang="en-US" dirty="0"/>
-              <a:t>.</a:t>
-            </a:r>
-          </a:p>
-        </p:txBody>
-      </p:sp>
+          <p:cNvPicPr>
+            <a:picLocks noGrp="1" noChangeAspect="1"/>
+          </p:cNvPicPr>
+          <p:nvPr>
+            <p:ph sz="half" idx="1"/>
+          </p:nvPr>
+        </p:nvPicPr>
+        <p:blipFill>
+          <a:blip r:embed="rId2"/>
+          <a:stretch>
+            <a:fillRect/>
+          </a:stretch>
+        </p:blipFill>
+        <p:spPr>
+          <a:xfrm>
+            <a:off x="1449218" y="1963704"/>
+            <a:ext cx="3393716" cy="1774399"/>
+          </a:xfrm>
+        </p:spPr>
+      </p:pic>
+      <p:pic>
+        <p:nvPicPr>
+          <p:cNvPr id="8" name="Content Placeholder 7">
+            <a:extLst>
+              <a:ext uri="{FF2B5EF4-FFF2-40B4-BE49-F238E27FC236}">
+                <a16:creationId xmlns:a16="http://schemas.microsoft.com/office/drawing/2014/main" id="{4A19524A-10A4-21B8-6221-BD9ACAA33509}"/>
+              </a:ext>
+            </a:extLst>
+          </p:cNvPr>
+          <p:cNvPicPr>
+            <a:picLocks noGrp="1" noChangeAspect="1"/>
+          </p:cNvPicPr>
+          <p:nvPr>
+            <p:ph sz="half" idx="2"/>
+          </p:nvPr>
+        </p:nvPicPr>
+        <p:blipFill>
+          <a:blip r:embed="rId3"/>
+          <a:stretch>
+            <a:fillRect/>
+          </a:stretch>
+        </p:blipFill>
+        <p:spPr>
+          <a:xfrm>
+            <a:off x="4842934" y="1968367"/>
+            <a:ext cx="6211918" cy="3738165"/>
+          </a:xfrm>
+        </p:spPr>
+      </p:pic>
     </p:spTree>
     <p:extLst>
       <p:ext uri="{BB962C8B-B14F-4D97-AF65-F5344CB8AC3E}">
-        <p14:creationId xmlns:p14="http://schemas.microsoft.com/office/powerpoint/2010/main" val="502086702"/>
+        <p14:creationId xmlns:p14="http://schemas.microsoft.com/office/powerpoint/2010/main" val="1661092724"/>
       </p:ext>
     </p:extLst>
   </p:cSld>
@@ -3973,404 +3944,6 @@
           <p:cNvPr id="2" name="Title 1">
             <a:extLst>
               <a:ext uri="{FF2B5EF4-FFF2-40B4-BE49-F238E27FC236}">
-                <a16:creationId xmlns:a16="http://schemas.microsoft.com/office/drawing/2014/main" id="{6603677C-2BEF-41AB-DFBD-4923E33AE3EC}"/>
-              </a:ext>
-            </a:extLst>
-          </p:cNvPr>
-          <p:cNvSpPr>
-            <a:spLocks noGrp="1"/>
-          </p:cNvSpPr>
-          <p:nvPr>
-            <p:ph type="ctrTitle"/>
-          </p:nvPr>
-        </p:nvSpPr>
-        <p:spPr>
-          <a:xfrm>
-            <a:off x="2417779" y="802298"/>
-            <a:ext cx="8637073" cy="1119635"/>
-          </a:xfrm>
-        </p:spPr>
-        <p:txBody>
-          <a:bodyPr>
-            <a:normAutofit/>
-          </a:bodyPr>
-          <a:lstStyle/>
-          <a:p>
-            <a:pPr algn="ctr"/>
-            <a:r>
-              <a:rPr lang="en-US" sz="4000" dirty="0"/>
-              <a:t>The machine learning model</a:t>
-            </a:r>
-          </a:p>
-        </p:txBody>
-      </p:sp>
-      <p:pic>
-        <p:nvPicPr>
-          <p:cNvPr id="5" name="Picture 4">
-            <a:extLst>
-              <a:ext uri="{FF2B5EF4-FFF2-40B4-BE49-F238E27FC236}">
-                <a16:creationId xmlns:a16="http://schemas.microsoft.com/office/drawing/2014/main" id="{BAE4366A-D257-6B1A-2A7A-4ECA2D6462D4}"/>
-              </a:ext>
-            </a:extLst>
-          </p:cNvPr>
-          <p:cNvPicPr>
-            <a:picLocks noChangeAspect="1"/>
-          </p:cNvPicPr>
-          <p:nvPr/>
-        </p:nvPicPr>
-        <p:blipFill>
-          <a:blip r:embed="rId2"/>
-          <a:stretch>
-            <a:fillRect/>
-          </a:stretch>
-        </p:blipFill>
-        <p:spPr>
-          <a:xfrm>
-            <a:off x="2554256" y="1921933"/>
-            <a:ext cx="8364117" cy="1514686"/>
-          </a:xfrm>
-          <a:prstGeom prst="rect">
-            <a:avLst/>
-          </a:prstGeom>
-        </p:spPr>
-      </p:pic>
-    </p:spTree>
-    <p:extLst>
-      <p:ext uri="{BB962C8B-B14F-4D97-AF65-F5344CB8AC3E}">
-        <p14:creationId xmlns:p14="http://schemas.microsoft.com/office/powerpoint/2010/main" val="1598635671"/>
-      </p:ext>
-    </p:extLst>
-  </p:cSld>
-  <p:clrMapOvr>
-    <a:masterClrMapping/>
-  </p:clrMapOvr>
-</p:sld>
-</file>
-
-<file path=ppt/slides/slide13.xml><?xml version="1.0" encoding="utf-8"?>
-<p:sld xmlns:a="http://schemas.openxmlformats.org/drawingml/2006/main" xmlns:r="http://schemas.openxmlformats.org/officeDocument/2006/relationships" xmlns:p="http://schemas.openxmlformats.org/presentationml/2006/main">
-  <p:cSld>
-    <p:spTree>
-      <p:nvGrpSpPr>
-        <p:cNvPr id="1" name=""/>
-        <p:cNvGrpSpPr/>
-        <p:nvPr/>
-      </p:nvGrpSpPr>
-      <p:grpSpPr>
-        <a:xfrm>
-          <a:off x="0" y="0"/>
-          <a:ext cx="0" cy="0"/>
-          <a:chOff x="0" y="0"/>
-          <a:chExt cx="0" cy="0"/>
-        </a:xfrm>
-      </p:grpSpPr>
-      <p:sp>
-        <p:nvSpPr>
-          <p:cNvPr id="2" name="Title 1">
-            <a:extLst>
-              <a:ext uri="{FF2B5EF4-FFF2-40B4-BE49-F238E27FC236}">
-                <a16:creationId xmlns:a16="http://schemas.microsoft.com/office/drawing/2014/main" id="{20B85538-6EA6-EC67-6160-A50F86D4E14A}"/>
-              </a:ext>
-            </a:extLst>
-          </p:cNvPr>
-          <p:cNvSpPr>
-            <a:spLocks noGrp="1"/>
-          </p:cNvSpPr>
-          <p:nvPr>
-            <p:ph type="title"/>
-          </p:nvPr>
-        </p:nvSpPr>
-        <p:spPr>
-          <a:xfrm>
-            <a:off x="1451579" y="804520"/>
-            <a:ext cx="9603275" cy="736414"/>
-          </a:xfrm>
-        </p:spPr>
-        <p:txBody>
-          <a:bodyPr>
-            <a:normAutofit/>
-          </a:bodyPr>
-          <a:lstStyle/>
-          <a:p>
-            <a:pPr algn="ctr"/>
-            <a:r>
-              <a:rPr lang="en-US" sz="1600" dirty="0"/>
-              <a:t>We used our cleaned data in python/pandas to construct a model to predict the price of used cars, and compared our predictions to the data</a:t>
-            </a:r>
-          </a:p>
-        </p:txBody>
-      </p:sp>
-      <p:pic>
-        <p:nvPicPr>
-          <p:cNvPr id="5" name="Content Placeholder 4">
-            <a:extLst>
-              <a:ext uri="{FF2B5EF4-FFF2-40B4-BE49-F238E27FC236}">
-                <a16:creationId xmlns:a16="http://schemas.microsoft.com/office/drawing/2014/main" id="{FC77FF19-795E-0646-7F1B-0D8C9D502D38}"/>
-              </a:ext>
-            </a:extLst>
-          </p:cNvPr>
-          <p:cNvPicPr>
-            <a:picLocks noGrp="1" noChangeAspect="1"/>
-          </p:cNvPicPr>
-          <p:nvPr>
-            <p:ph idx="1"/>
-          </p:nvPr>
-        </p:nvPicPr>
-        <p:blipFill>
-          <a:blip r:embed="rId2"/>
-          <a:stretch>
-            <a:fillRect/>
-          </a:stretch>
-        </p:blipFill>
-        <p:spPr>
-          <a:xfrm>
-            <a:off x="3101524" y="2109258"/>
-            <a:ext cx="7177010" cy="3449638"/>
-          </a:xfrm>
-        </p:spPr>
-      </p:pic>
-    </p:spTree>
-    <p:extLst>
-      <p:ext uri="{BB962C8B-B14F-4D97-AF65-F5344CB8AC3E}">
-        <p14:creationId xmlns:p14="http://schemas.microsoft.com/office/powerpoint/2010/main" val="3733975472"/>
-      </p:ext>
-    </p:extLst>
-  </p:cSld>
-  <p:clrMapOvr>
-    <a:masterClrMapping/>
-  </p:clrMapOvr>
-</p:sld>
-</file>
-
-<file path=ppt/slides/slide14.xml><?xml version="1.0" encoding="utf-8"?>
-<p:sld xmlns:a="http://schemas.openxmlformats.org/drawingml/2006/main" xmlns:r="http://schemas.openxmlformats.org/officeDocument/2006/relationships" xmlns:p="http://schemas.openxmlformats.org/presentationml/2006/main">
-  <p:cSld>
-    <p:spTree>
-      <p:nvGrpSpPr>
-        <p:cNvPr id="1" name=""/>
-        <p:cNvGrpSpPr/>
-        <p:nvPr/>
-      </p:nvGrpSpPr>
-      <p:grpSpPr>
-        <a:xfrm>
-          <a:off x="0" y="0"/>
-          <a:ext cx="0" cy="0"/>
-          <a:chOff x="0" y="0"/>
-          <a:chExt cx="0" cy="0"/>
-        </a:xfrm>
-      </p:grpSpPr>
-      <p:sp>
-        <p:nvSpPr>
-          <p:cNvPr id="2" name="Title 1">
-            <a:extLst>
-              <a:ext uri="{FF2B5EF4-FFF2-40B4-BE49-F238E27FC236}">
-                <a16:creationId xmlns:a16="http://schemas.microsoft.com/office/drawing/2014/main" id="{0A85F448-930F-9929-1FAF-6B082203547D}"/>
-              </a:ext>
-            </a:extLst>
-          </p:cNvPr>
-          <p:cNvSpPr>
-            <a:spLocks noGrp="1"/>
-          </p:cNvSpPr>
-          <p:nvPr>
-            <p:ph type="title"/>
-          </p:nvPr>
-        </p:nvSpPr>
-        <p:spPr/>
-        <p:txBody>
-          <a:bodyPr>
-            <a:normAutofit/>
-          </a:bodyPr>
-          <a:lstStyle/>
-          <a:p>
-            <a:pPr algn="ctr"/>
-            <a:r>
-              <a:rPr lang="en-US" sz="1600" dirty="0"/>
-              <a:t>Refining the model</a:t>
-            </a:r>
-          </a:p>
-        </p:txBody>
-      </p:sp>
-      <p:pic>
-        <p:nvPicPr>
-          <p:cNvPr id="5" name="Content Placeholder 4">
-            <a:extLst>
-              <a:ext uri="{FF2B5EF4-FFF2-40B4-BE49-F238E27FC236}">
-                <a16:creationId xmlns:a16="http://schemas.microsoft.com/office/drawing/2014/main" id="{171E2B2A-4D39-E705-09FD-EC6D25F304DC}"/>
-              </a:ext>
-            </a:extLst>
-          </p:cNvPr>
-          <p:cNvPicPr>
-            <a:picLocks noGrp="1" noChangeAspect="1"/>
-          </p:cNvPicPr>
-          <p:nvPr>
-            <p:ph idx="1"/>
-          </p:nvPr>
-        </p:nvPicPr>
-        <p:blipFill>
-          <a:blip r:embed="rId2"/>
-          <a:stretch>
-            <a:fillRect/>
-          </a:stretch>
-        </p:blipFill>
-        <p:spPr>
-          <a:xfrm>
-            <a:off x="3347613" y="1982259"/>
-            <a:ext cx="6270520" cy="3449638"/>
-          </a:xfrm>
-        </p:spPr>
-      </p:pic>
-    </p:spTree>
-    <p:extLst>
-      <p:ext uri="{BB962C8B-B14F-4D97-AF65-F5344CB8AC3E}">
-        <p14:creationId xmlns:p14="http://schemas.microsoft.com/office/powerpoint/2010/main" val="2115354870"/>
-      </p:ext>
-    </p:extLst>
-  </p:cSld>
-  <p:clrMapOvr>
-    <a:masterClrMapping/>
-  </p:clrMapOvr>
-</p:sld>
-</file>
-
-<file path=ppt/slides/slide15.xml><?xml version="1.0" encoding="utf-8"?>
-<p:sld xmlns:a="http://schemas.openxmlformats.org/drawingml/2006/main" xmlns:r="http://schemas.openxmlformats.org/officeDocument/2006/relationships" xmlns:p="http://schemas.openxmlformats.org/presentationml/2006/main">
-  <p:cSld>
-    <p:spTree>
-      <p:nvGrpSpPr>
-        <p:cNvPr id="1" name=""/>
-        <p:cNvGrpSpPr/>
-        <p:nvPr/>
-      </p:nvGrpSpPr>
-      <p:grpSpPr>
-        <a:xfrm>
-          <a:off x="0" y="0"/>
-          <a:ext cx="0" cy="0"/>
-          <a:chOff x="0" y="0"/>
-          <a:chExt cx="0" cy="0"/>
-        </a:xfrm>
-      </p:grpSpPr>
-      <p:sp>
-        <p:nvSpPr>
-          <p:cNvPr id="2" name="Title 1">
-            <a:extLst>
-              <a:ext uri="{FF2B5EF4-FFF2-40B4-BE49-F238E27FC236}">
-                <a16:creationId xmlns:a16="http://schemas.microsoft.com/office/drawing/2014/main" id="{1A0EB6C2-CFD9-D0E9-58F8-F3DEBA15CEF6}"/>
-              </a:ext>
-            </a:extLst>
-          </p:cNvPr>
-          <p:cNvSpPr>
-            <a:spLocks noGrp="1"/>
-          </p:cNvSpPr>
-          <p:nvPr>
-            <p:ph type="title"/>
-          </p:nvPr>
-        </p:nvSpPr>
-        <p:spPr/>
-        <p:txBody>
-          <a:bodyPr/>
-          <a:lstStyle/>
-          <a:p>
-            <a:pPr algn="ctr"/>
-            <a:r>
-              <a:rPr lang="en-US" dirty="0"/>
-              <a:t>A residual plot of the model</a:t>
-            </a:r>
-          </a:p>
-        </p:txBody>
-      </p:sp>
-      <p:pic>
-        <p:nvPicPr>
-          <p:cNvPr id="6" name="Content Placeholder 5">
-            <a:extLst>
-              <a:ext uri="{FF2B5EF4-FFF2-40B4-BE49-F238E27FC236}">
-                <a16:creationId xmlns:a16="http://schemas.microsoft.com/office/drawing/2014/main" id="{D92BDC42-C714-1210-36DA-02FA99164D50}"/>
-              </a:ext>
-            </a:extLst>
-          </p:cNvPr>
-          <p:cNvPicPr>
-            <a:picLocks noGrp="1" noChangeAspect="1"/>
-          </p:cNvPicPr>
-          <p:nvPr>
-            <p:ph sz="half" idx="1"/>
-          </p:nvPr>
-        </p:nvPicPr>
-        <p:blipFill>
-          <a:blip r:embed="rId2"/>
-          <a:stretch>
-            <a:fillRect/>
-          </a:stretch>
-        </p:blipFill>
-        <p:spPr>
-          <a:xfrm>
-            <a:off x="1449218" y="1963704"/>
-            <a:ext cx="3393716" cy="1774399"/>
-          </a:xfrm>
-        </p:spPr>
-      </p:pic>
-      <p:pic>
-        <p:nvPicPr>
-          <p:cNvPr id="8" name="Content Placeholder 7">
-            <a:extLst>
-              <a:ext uri="{FF2B5EF4-FFF2-40B4-BE49-F238E27FC236}">
-                <a16:creationId xmlns:a16="http://schemas.microsoft.com/office/drawing/2014/main" id="{4A19524A-10A4-21B8-6221-BD9ACAA33509}"/>
-              </a:ext>
-            </a:extLst>
-          </p:cNvPr>
-          <p:cNvPicPr>
-            <a:picLocks noGrp="1" noChangeAspect="1"/>
-          </p:cNvPicPr>
-          <p:nvPr>
-            <p:ph sz="half" idx="2"/>
-          </p:nvPr>
-        </p:nvPicPr>
-        <p:blipFill>
-          <a:blip r:embed="rId3"/>
-          <a:stretch>
-            <a:fillRect/>
-          </a:stretch>
-        </p:blipFill>
-        <p:spPr>
-          <a:xfrm>
-            <a:off x="4842934" y="1968367"/>
-            <a:ext cx="6211918" cy="3738165"/>
-          </a:xfrm>
-        </p:spPr>
-      </p:pic>
-    </p:spTree>
-    <p:extLst>
-      <p:ext uri="{BB962C8B-B14F-4D97-AF65-F5344CB8AC3E}">
-        <p14:creationId xmlns:p14="http://schemas.microsoft.com/office/powerpoint/2010/main" val="1661092724"/>
-      </p:ext>
-    </p:extLst>
-  </p:cSld>
-  <p:clrMapOvr>
-    <a:masterClrMapping/>
-  </p:clrMapOvr>
-</p:sld>
-</file>
-
-<file path=ppt/slides/slide16.xml><?xml version="1.0" encoding="utf-8"?>
-<p:sld xmlns:a="http://schemas.openxmlformats.org/drawingml/2006/main" xmlns:r="http://schemas.openxmlformats.org/officeDocument/2006/relationships" xmlns:p="http://schemas.openxmlformats.org/presentationml/2006/main">
-  <p:cSld>
-    <p:spTree>
-      <p:nvGrpSpPr>
-        <p:cNvPr id="1" name=""/>
-        <p:cNvGrpSpPr/>
-        <p:nvPr/>
-      </p:nvGrpSpPr>
-      <p:grpSpPr>
-        <a:xfrm>
-          <a:off x="0" y="0"/>
-          <a:ext cx="0" cy="0"/>
-          <a:chOff x="0" y="0"/>
-          <a:chExt cx="0" cy="0"/>
-        </a:xfrm>
-      </p:grpSpPr>
-      <p:sp>
-        <p:nvSpPr>
-          <p:cNvPr id="2" name="Title 1">
-            <a:extLst>
-              <a:ext uri="{FF2B5EF4-FFF2-40B4-BE49-F238E27FC236}">
                 <a16:creationId xmlns:a16="http://schemas.microsoft.com/office/drawing/2014/main" id="{FB97F7E1-A825-7E62-A568-32EBFBEDD8A9}"/>
               </a:ext>
             </a:extLst>
@@ -4468,7 +4041,7 @@
 </p:sld>
 </file>
 
-<file path=ppt/slides/slide17.xml><?xml version="1.0" encoding="utf-8"?>
+<file path=ppt/slides/slide13.xml><?xml version="1.0" encoding="utf-8"?>
 <p:sld xmlns:a="http://schemas.openxmlformats.org/drawingml/2006/main" xmlns:r="http://schemas.openxmlformats.org/officeDocument/2006/relationships" xmlns:p="http://schemas.openxmlformats.org/presentationml/2006/main">
   <p:cSld>
     <p:spTree>
@@ -4606,7 +4179,7 @@
 </p:sld>
 </file>
 
-<file path=ppt/slides/slide18.xml><?xml version="1.0" encoding="utf-8"?>
+<file path=ppt/slides/slide14.xml><?xml version="1.0" encoding="utf-8"?>
 <p:sld xmlns:a="http://schemas.openxmlformats.org/drawingml/2006/main" xmlns:r="http://schemas.openxmlformats.org/officeDocument/2006/relationships" xmlns:p="http://schemas.openxmlformats.org/presentationml/2006/main">
   <p:cSld>
     <p:spTree>
@@ -4726,7 +4299,7 @@
 </p:sld>
 </file>
 
-<file path=ppt/slides/slide19.xml><?xml version="1.0" encoding="utf-8"?>
+<file path=ppt/slides/slide15.xml><?xml version="1.0" encoding="utf-8"?>
 <p:sld xmlns:a="http://schemas.openxmlformats.org/drawingml/2006/main" xmlns:r="http://schemas.openxmlformats.org/officeDocument/2006/relationships" xmlns:p="http://schemas.openxmlformats.org/presentationml/2006/main">
   <p:cSld>
     <p:spTree>
@@ -4835,6 +4408,164 @@
     <p:extLst>
       <p:ext uri="{BB962C8B-B14F-4D97-AF65-F5344CB8AC3E}">
         <p14:creationId xmlns:p14="http://schemas.microsoft.com/office/powerpoint/2010/main" val="3509567079"/>
+      </p:ext>
+    </p:extLst>
+  </p:cSld>
+  <p:clrMapOvr>
+    <a:masterClrMapping/>
+  </p:clrMapOvr>
+</p:sld>
+</file>
+
+<file path=ppt/slides/slide16.xml><?xml version="1.0" encoding="utf-8"?>
+<p:sld xmlns:a="http://schemas.openxmlformats.org/drawingml/2006/main" xmlns:r="http://schemas.openxmlformats.org/officeDocument/2006/relationships" xmlns:p="http://schemas.openxmlformats.org/presentationml/2006/main">
+  <p:cSld>
+    <p:spTree>
+      <p:nvGrpSpPr>
+        <p:cNvPr id="1" name=""/>
+        <p:cNvGrpSpPr/>
+        <p:nvPr/>
+      </p:nvGrpSpPr>
+      <p:grpSpPr>
+        <a:xfrm>
+          <a:off x="0" y="0"/>
+          <a:ext cx="0" cy="0"/>
+          <a:chOff x="0" y="0"/>
+          <a:chExt cx="0" cy="0"/>
+        </a:xfrm>
+      </p:grpSpPr>
+      <p:sp>
+        <p:nvSpPr>
+          <p:cNvPr id="2" name="Title 1">
+            <a:extLst>
+              <a:ext uri="{FF2B5EF4-FFF2-40B4-BE49-F238E27FC236}">
+                <a16:creationId xmlns:a16="http://schemas.microsoft.com/office/drawing/2014/main" id="{3862252F-CECF-2A70-863E-9ACC2C3AE2C9}"/>
+              </a:ext>
+            </a:extLst>
+          </p:cNvPr>
+          <p:cNvSpPr>
+            <a:spLocks noGrp="1"/>
+          </p:cNvSpPr>
+          <p:nvPr>
+            <p:ph type="title"/>
+          </p:nvPr>
+        </p:nvSpPr>
+        <p:spPr/>
+        <p:txBody>
+          <a:bodyPr/>
+          <a:lstStyle/>
+          <a:p>
+            <a:pPr algn="ctr"/>
+            <a:r>
+              <a:rPr lang="en-US" dirty="0"/>
+              <a:t>results and features</a:t>
+            </a:r>
+          </a:p>
+        </p:txBody>
+      </p:sp>
+      <p:sp>
+        <p:nvSpPr>
+          <p:cNvPr id="3" name="Content Placeholder 2">
+            <a:extLst>
+              <a:ext uri="{FF2B5EF4-FFF2-40B4-BE49-F238E27FC236}">
+                <a16:creationId xmlns:a16="http://schemas.microsoft.com/office/drawing/2014/main" id="{5439413B-C5D3-57F1-7551-E7B5420313A5}"/>
+              </a:ext>
+            </a:extLst>
+          </p:cNvPr>
+          <p:cNvSpPr>
+            <a:spLocks noGrp="1"/>
+          </p:cNvSpPr>
+          <p:nvPr>
+            <p:ph idx="1"/>
+          </p:nvPr>
+        </p:nvSpPr>
+        <p:spPr/>
+        <p:txBody>
+          <a:bodyPr/>
+          <a:lstStyle/>
+          <a:p>
+            <a:r>
+              <a:rPr lang="en-US" dirty="0"/>
+              <a:t>Using a combination of datasets and APIs from sources on the internet, we were able to construct a machine learning model that accurately predicted the price of a used car based on various criteria, such as price, make, model, and year. </a:t>
+            </a:r>
+          </a:p>
+          <a:p>
+            <a:r>
+              <a:rPr lang="en-US" dirty="0"/>
+              <a:t>We were able to construct visualizations to illustrate the model</a:t>
+            </a:r>
+          </a:p>
+          <a:p>
+            <a:r>
+              <a:rPr lang="en-US" dirty="0"/>
+              <a:t>We were also able to incorporate an interactive link, where users could estimate the value of a car they were trying to sell, based again, on similar criteria that they input</a:t>
+            </a:r>
+          </a:p>
+        </p:txBody>
+      </p:sp>
+    </p:spTree>
+    <p:extLst>
+      <p:ext uri="{BB962C8B-B14F-4D97-AF65-F5344CB8AC3E}">
+        <p14:creationId xmlns:p14="http://schemas.microsoft.com/office/powerpoint/2010/main" val="989769135"/>
+      </p:ext>
+    </p:extLst>
+  </p:cSld>
+  <p:clrMapOvr>
+    <a:masterClrMapping/>
+  </p:clrMapOvr>
+</p:sld>
+</file>
+
+<file path=ppt/slides/slide17.xml><?xml version="1.0" encoding="utf-8"?>
+<p:sld xmlns:a="http://schemas.openxmlformats.org/drawingml/2006/main" xmlns:r="http://schemas.openxmlformats.org/officeDocument/2006/relationships" xmlns:p="http://schemas.openxmlformats.org/presentationml/2006/main">
+  <p:cSld>
+    <p:spTree>
+      <p:nvGrpSpPr>
+        <p:cNvPr id="1" name=""/>
+        <p:cNvGrpSpPr/>
+        <p:nvPr/>
+      </p:nvGrpSpPr>
+      <p:grpSpPr>
+        <a:xfrm>
+          <a:off x="0" y="0"/>
+          <a:ext cx="0" cy="0"/>
+          <a:chOff x="0" y="0"/>
+          <a:chExt cx="0" cy="0"/>
+        </a:xfrm>
+      </p:grpSpPr>
+      <p:sp>
+        <p:nvSpPr>
+          <p:cNvPr id="2" name="Title 1">
+            <a:extLst>
+              <a:ext uri="{FF2B5EF4-FFF2-40B4-BE49-F238E27FC236}">
+                <a16:creationId xmlns:a16="http://schemas.microsoft.com/office/drawing/2014/main" id="{324CC720-304A-CF0C-DD92-5B7398F206F6}"/>
+              </a:ext>
+            </a:extLst>
+          </p:cNvPr>
+          <p:cNvSpPr>
+            <a:spLocks noGrp="1"/>
+          </p:cNvSpPr>
+          <p:nvPr>
+            <p:ph type="ctrTitle"/>
+          </p:nvPr>
+        </p:nvSpPr>
+        <p:spPr/>
+        <p:txBody>
+          <a:bodyPr/>
+          <a:lstStyle/>
+          <a:p>
+            <a:pPr algn="ctr"/>
+            <a:r>
+              <a:rPr lang="en-US" dirty="0"/>
+              <a:t>Questions</a:t>
+            </a:r>
+          </a:p>
+        </p:txBody>
+      </p:sp>
+    </p:spTree>
+    <p:extLst>
+      <p:ext uri="{BB962C8B-B14F-4D97-AF65-F5344CB8AC3E}">
+        <p14:creationId xmlns:p14="http://schemas.microsoft.com/office/powerpoint/2010/main" val="3365121694"/>
       </p:ext>
     </p:extLst>
   </p:cSld>
@@ -4925,164 +4656,6 @@
     <p:extLst>
       <p:ext uri="{BB962C8B-B14F-4D97-AF65-F5344CB8AC3E}">
         <p14:creationId xmlns:p14="http://schemas.microsoft.com/office/powerpoint/2010/main" val="3047616289"/>
-      </p:ext>
-    </p:extLst>
-  </p:cSld>
-  <p:clrMapOvr>
-    <a:masterClrMapping/>
-  </p:clrMapOvr>
-</p:sld>
-</file>
-
-<file path=ppt/slides/slide20.xml><?xml version="1.0" encoding="utf-8"?>
-<p:sld xmlns:a="http://schemas.openxmlformats.org/drawingml/2006/main" xmlns:r="http://schemas.openxmlformats.org/officeDocument/2006/relationships" xmlns:p="http://schemas.openxmlformats.org/presentationml/2006/main">
-  <p:cSld>
-    <p:spTree>
-      <p:nvGrpSpPr>
-        <p:cNvPr id="1" name=""/>
-        <p:cNvGrpSpPr/>
-        <p:nvPr/>
-      </p:nvGrpSpPr>
-      <p:grpSpPr>
-        <a:xfrm>
-          <a:off x="0" y="0"/>
-          <a:ext cx="0" cy="0"/>
-          <a:chOff x="0" y="0"/>
-          <a:chExt cx="0" cy="0"/>
-        </a:xfrm>
-      </p:grpSpPr>
-      <p:sp>
-        <p:nvSpPr>
-          <p:cNvPr id="2" name="Title 1">
-            <a:extLst>
-              <a:ext uri="{FF2B5EF4-FFF2-40B4-BE49-F238E27FC236}">
-                <a16:creationId xmlns:a16="http://schemas.microsoft.com/office/drawing/2014/main" id="{3862252F-CECF-2A70-863E-9ACC2C3AE2C9}"/>
-              </a:ext>
-            </a:extLst>
-          </p:cNvPr>
-          <p:cNvSpPr>
-            <a:spLocks noGrp="1"/>
-          </p:cNvSpPr>
-          <p:nvPr>
-            <p:ph type="title"/>
-          </p:nvPr>
-        </p:nvSpPr>
-        <p:spPr/>
-        <p:txBody>
-          <a:bodyPr/>
-          <a:lstStyle/>
-          <a:p>
-            <a:pPr algn="ctr"/>
-            <a:r>
-              <a:rPr lang="en-US" dirty="0"/>
-              <a:t>results and features</a:t>
-            </a:r>
-          </a:p>
-        </p:txBody>
-      </p:sp>
-      <p:sp>
-        <p:nvSpPr>
-          <p:cNvPr id="3" name="Content Placeholder 2">
-            <a:extLst>
-              <a:ext uri="{FF2B5EF4-FFF2-40B4-BE49-F238E27FC236}">
-                <a16:creationId xmlns:a16="http://schemas.microsoft.com/office/drawing/2014/main" id="{5439413B-C5D3-57F1-7551-E7B5420313A5}"/>
-              </a:ext>
-            </a:extLst>
-          </p:cNvPr>
-          <p:cNvSpPr>
-            <a:spLocks noGrp="1"/>
-          </p:cNvSpPr>
-          <p:nvPr>
-            <p:ph idx="1"/>
-          </p:nvPr>
-        </p:nvSpPr>
-        <p:spPr/>
-        <p:txBody>
-          <a:bodyPr/>
-          <a:lstStyle/>
-          <a:p>
-            <a:r>
-              <a:rPr lang="en-US" dirty="0"/>
-              <a:t>Using a combination of datasets and APIs from sources on the internet, we were able to construct a machine learning model that accurately predicted the price of a used car based on various criteria, such as price, make, model, and year. </a:t>
-            </a:r>
-          </a:p>
-          <a:p>
-            <a:r>
-              <a:rPr lang="en-US" dirty="0"/>
-              <a:t>We were able to construct visualizations to illustrate the model</a:t>
-            </a:r>
-          </a:p>
-          <a:p>
-            <a:r>
-              <a:rPr lang="en-US" dirty="0"/>
-              <a:t>We were also able to incorporate an interactive link, where users could estimate the value of a car they were trying to sell, based again, on similar criteria that they input</a:t>
-            </a:r>
-          </a:p>
-        </p:txBody>
-      </p:sp>
-    </p:spTree>
-    <p:extLst>
-      <p:ext uri="{BB962C8B-B14F-4D97-AF65-F5344CB8AC3E}">
-        <p14:creationId xmlns:p14="http://schemas.microsoft.com/office/powerpoint/2010/main" val="989769135"/>
-      </p:ext>
-    </p:extLst>
-  </p:cSld>
-  <p:clrMapOvr>
-    <a:masterClrMapping/>
-  </p:clrMapOvr>
-</p:sld>
-</file>
-
-<file path=ppt/slides/slide21.xml><?xml version="1.0" encoding="utf-8"?>
-<p:sld xmlns:a="http://schemas.openxmlformats.org/drawingml/2006/main" xmlns:r="http://schemas.openxmlformats.org/officeDocument/2006/relationships" xmlns:p="http://schemas.openxmlformats.org/presentationml/2006/main">
-  <p:cSld>
-    <p:spTree>
-      <p:nvGrpSpPr>
-        <p:cNvPr id="1" name=""/>
-        <p:cNvGrpSpPr/>
-        <p:nvPr/>
-      </p:nvGrpSpPr>
-      <p:grpSpPr>
-        <a:xfrm>
-          <a:off x="0" y="0"/>
-          <a:ext cx="0" cy="0"/>
-          <a:chOff x="0" y="0"/>
-          <a:chExt cx="0" cy="0"/>
-        </a:xfrm>
-      </p:grpSpPr>
-      <p:sp>
-        <p:nvSpPr>
-          <p:cNvPr id="2" name="Title 1">
-            <a:extLst>
-              <a:ext uri="{FF2B5EF4-FFF2-40B4-BE49-F238E27FC236}">
-                <a16:creationId xmlns:a16="http://schemas.microsoft.com/office/drawing/2014/main" id="{324CC720-304A-CF0C-DD92-5B7398F206F6}"/>
-              </a:ext>
-            </a:extLst>
-          </p:cNvPr>
-          <p:cNvSpPr>
-            <a:spLocks noGrp="1"/>
-          </p:cNvSpPr>
-          <p:nvPr>
-            <p:ph type="ctrTitle"/>
-          </p:nvPr>
-        </p:nvSpPr>
-        <p:spPr/>
-        <p:txBody>
-          <a:bodyPr/>
-          <a:lstStyle/>
-          <a:p>
-            <a:pPr algn="ctr"/>
-            <a:r>
-              <a:rPr lang="en-US" dirty="0"/>
-              <a:t>Questions</a:t>
-            </a:r>
-          </a:p>
-        </p:txBody>
-      </p:sp>
-    </p:spTree>
-    <p:extLst>
-      <p:ext uri="{BB962C8B-B14F-4D97-AF65-F5344CB8AC3E}">
-        <p14:creationId xmlns:p14="http://schemas.microsoft.com/office/powerpoint/2010/main" val="3365121694"/>
       </p:ext>
     </p:extLst>
   </p:cSld>
@@ -5900,7 +5473,7 @@
           <p:cNvPr id="2" name="Title 1">
             <a:extLst>
               <a:ext uri="{FF2B5EF4-FFF2-40B4-BE49-F238E27FC236}">
-                <a16:creationId xmlns:a16="http://schemas.microsoft.com/office/drawing/2014/main" id="{2B3B31FC-A654-B1AB-59CE-38C7457FD86C}"/>
+                <a16:creationId xmlns:a16="http://schemas.microsoft.com/office/drawing/2014/main" id="{6603677C-2BEF-41AB-DFBD-4923E33AE3EC}"/>
               </a:ext>
             </a:extLst>
           </p:cNvPr>
@@ -5908,75 +5481,63 @@
             <a:spLocks noGrp="1"/>
           </p:cNvSpPr>
           <p:nvPr>
-            <p:ph type="title"/>
-          </p:nvPr>
-        </p:nvSpPr>
-        <p:spPr/>
-        <p:txBody>
-          <a:bodyPr/>
+            <p:ph type="ctrTitle"/>
+          </p:nvPr>
+        </p:nvSpPr>
+        <p:spPr>
+          <a:xfrm>
+            <a:off x="2417779" y="802298"/>
+            <a:ext cx="8637073" cy="1119635"/>
+          </a:xfrm>
+        </p:spPr>
+        <p:txBody>
+          <a:bodyPr>
+            <a:normAutofit/>
+          </a:bodyPr>
           <a:lstStyle/>
           <a:p>
             <a:pPr algn="ctr"/>
             <a:r>
-              <a:rPr lang="en-US" dirty="0"/>
-              <a:t>Used car Price predictor using Flask</a:t>
-            </a:r>
-          </a:p>
-        </p:txBody>
-      </p:sp>
-      <p:sp>
-        <p:nvSpPr>
-          <p:cNvPr id="3" name="Content Placeholder 2">
+              <a:rPr lang="en-US" sz="4000" dirty="0"/>
+              <a:t>The machine learning model</a:t>
+            </a:r>
+          </a:p>
+        </p:txBody>
+      </p:sp>
+      <p:pic>
+        <p:nvPicPr>
+          <p:cNvPr id="5" name="Picture 4">
             <a:extLst>
               <a:ext uri="{FF2B5EF4-FFF2-40B4-BE49-F238E27FC236}">
-                <a16:creationId xmlns:a16="http://schemas.microsoft.com/office/drawing/2014/main" id="{DB5EB702-ACB8-4D43-8ADF-C1E3AF476470}"/>
+                <a16:creationId xmlns:a16="http://schemas.microsoft.com/office/drawing/2014/main" id="{BAE4366A-D257-6B1A-2A7A-4ECA2D6462D4}"/>
               </a:ext>
             </a:extLst>
           </p:cNvPr>
-          <p:cNvSpPr>
-            <a:spLocks noGrp="1"/>
-          </p:cNvSpPr>
-          <p:nvPr>
-            <p:ph idx="1"/>
-          </p:nvPr>
-        </p:nvSpPr>
-        <p:spPr/>
-        <p:txBody>
-          <a:bodyPr>
-            <a:normAutofit lnSpcReduction="10000"/>
-          </a:bodyPr>
-          <a:lstStyle/>
-          <a:p>
-            <a:r>
-              <a:rPr lang="en-US" dirty="0"/>
-              <a:t>Several columns are converted to numeric types to ensure proper analysis. The price column is converted from "lakhs" to USD using a conversion rate of 1 lakh = 1350 USD. The original price column is then dropped. Unnecessary columns, such as 'Unnamed: 0', are dropped. The 'ownership' column is renamed from a misspelled version to ensure consistency in the dataset. cleaning and preparing the dataset for further analysis, ensuring that all relevant data is in the correct format for subsequent modeling and evaluation. The we identify missing values in both datasets and drops rows with missing data to clean the datasets further. datasets are merged based on common columns such as index, Make, and Model. We used various machine learning tools such as </a:t>
-            </a:r>
-            <a:r>
-              <a:rPr lang="en-US" dirty="0" err="1"/>
-              <a:t>LinearRegression</a:t>
-            </a:r>
-            <a:r>
-              <a:rPr lang="en-US" dirty="0"/>
-              <a:t> and </a:t>
-            </a:r>
-            <a:r>
-              <a:rPr lang="en-US" dirty="0" err="1"/>
-              <a:t>RandomForestRegressor</a:t>
-            </a:r>
-            <a:r>
-              <a:rPr lang="en-US" dirty="0"/>
-              <a:t> to plot future prices in next five years.</a:t>
-            </a:r>
-          </a:p>
-          <a:p>
-            <a:endParaRPr lang="en-US" dirty="0"/>
-          </a:p>
-        </p:txBody>
-      </p:sp>
+          <p:cNvPicPr>
+            <a:picLocks noChangeAspect="1"/>
+          </p:cNvPicPr>
+          <p:nvPr/>
+        </p:nvPicPr>
+        <p:blipFill>
+          <a:blip r:embed="rId2"/>
+          <a:stretch>
+            <a:fillRect/>
+          </a:stretch>
+        </p:blipFill>
+        <p:spPr>
+          <a:xfrm>
+            <a:off x="2554256" y="1921933"/>
+            <a:ext cx="8364117" cy="1514686"/>
+          </a:xfrm>
+          <a:prstGeom prst="rect">
+            <a:avLst/>
+          </a:prstGeom>
+        </p:spPr>
+      </p:pic>
     </p:spTree>
     <p:extLst>
       <p:ext uri="{BB962C8B-B14F-4D97-AF65-F5344CB8AC3E}">
-        <p14:creationId xmlns:p14="http://schemas.microsoft.com/office/powerpoint/2010/main" val="3840912905"/>
+        <p14:creationId xmlns:p14="http://schemas.microsoft.com/office/powerpoint/2010/main" val="1598635671"/>
       </p:ext>
     </p:extLst>
   </p:cSld>
@@ -6008,7 +5569,7 @@
           <p:cNvPr id="2" name="Title 1">
             <a:extLst>
               <a:ext uri="{FF2B5EF4-FFF2-40B4-BE49-F238E27FC236}">
-                <a16:creationId xmlns:a16="http://schemas.microsoft.com/office/drawing/2014/main" id="{2B3B31FC-A654-B1AB-59CE-38C7457FD86C}"/>
+                <a16:creationId xmlns:a16="http://schemas.microsoft.com/office/drawing/2014/main" id="{20B85538-6EA6-EC67-6160-A50F86D4E14A}"/>
               </a:ext>
             </a:extLst>
           </p:cNvPr>
@@ -6019,115 +5580,59 @@
             <p:ph type="title"/>
           </p:nvPr>
         </p:nvSpPr>
-        <p:spPr/>
-        <p:txBody>
-          <a:bodyPr/>
+        <p:spPr>
+          <a:xfrm>
+            <a:off x="1451579" y="804520"/>
+            <a:ext cx="9603275" cy="736414"/>
+          </a:xfrm>
+        </p:spPr>
+        <p:txBody>
+          <a:bodyPr>
+            <a:normAutofit/>
+          </a:bodyPr>
           <a:lstStyle/>
           <a:p>
             <a:pPr algn="ctr"/>
             <a:r>
-              <a:rPr lang="en-US" dirty="0"/>
-              <a:t>Used car price predictor using flask</a:t>
-            </a:r>
-          </a:p>
-        </p:txBody>
-      </p:sp>
-      <p:sp>
-        <p:nvSpPr>
-          <p:cNvPr id="3" name="Content Placeholder 2">
+              <a:rPr lang="en-US" sz="1600" dirty="0"/>
+              <a:t>We used our cleaned data in python/pandas to construct a model to predict the price of used cars, and compared our predictions to the data</a:t>
+            </a:r>
+          </a:p>
+        </p:txBody>
+      </p:sp>
+      <p:pic>
+        <p:nvPicPr>
+          <p:cNvPr id="5" name="Content Placeholder 4">
             <a:extLst>
               <a:ext uri="{FF2B5EF4-FFF2-40B4-BE49-F238E27FC236}">
-                <a16:creationId xmlns:a16="http://schemas.microsoft.com/office/drawing/2014/main" id="{DB5EB702-ACB8-4D43-8ADF-C1E3AF476470}"/>
+                <a16:creationId xmlns:a16="http://schemas.microsoft.com/office/drawing/2014/main" id="{FC77FF19-795E-0646-7F1B-0D8C9D502D38}"/>
               </a:ext>
             </a:extLst>
           </p:cNvPr>
-          <p:cNvSpPr>
-            <a:spLocks noGrp="1"/>
-          </p:cNvSpPr>
+          <p:cNvPicPr>
+            <a:picLocks noGrp="1" noChangeAspect="1"/>
+          </p:cNvPicPr>
           <p:nvPr>
             <p:ph idx="1"/>
           </p:nvPr>
-        </p:nvSpPr>
-        <p:spPr/>
-        <p:txBody>
-          <a:bodyPr>
-            <a:normAutofit lnSpcReduction="10000"/>
-          </a:bodyPr>
-          <a:lstStyle/>
-          <a:p>
-            <a:r>
-              <a:rPr lang="en-US" dirty="0"/>
-              <a:t>Using Pandas </a:t>
-            </a:r>
-            <a:r>
-              <a:rPr lang="en-US" dirty="0" err="1"/>
-              <a:t>Numpy</a:t>
-            </a:r>
-            <a:r>
-              <a:rPr lang="en-US" dirty="0"/>
-              <a:t> and </a:t>
-            </a:r>
-            <a:r>
-              <a:rPr lang="en-US" dirty="0" err="1"/>
-              <a:t>SKLearn</a:t>
-            </a:r>
-            <a:r>
-              <a:rPr lang="en-US" dirty="0"/>
-              <a:t> libraries</a:t>
-            </a:r>
-            <a:br>
-              <a:rPr lang="en-US" dirty="0"/>
-            </a:br>
-            <a:r>
-              <a:rPr lang="en-US" dirty="0"/>
-              <a:t>All the factors are normalized using Min-Max scaling to a scale of 0 to 1. This step ensures that each factor contributes proportionally to the final score, making the different criteria comparable by 3. </a:t>
-            </a:r>
-            <a:br>
-              <a:rPr lang="en-US" dirty="0"/>
-            </a:br>
-            <a:r>
-              <a:rPr lang="en-US" dirty="0"/>
-              <a:t>Then sum up the normalized values of the positive factors.  Those being</a:t>
-            </a:r>
-            <a:br>
-              <a:rPr lang="en-US" dirty="0"/>
-            </a:br>
-            <a:r>
-              <a:rPr lang="en-US" dirty="0"/>
-              <a:t>Fuel efficiency, torque, horse power and year made. </a:t>
-            </a:r>
-            <a:br>
-              <a:rPr lang="en-US" dirty="0"/>
-            </a:br>
-            <a:r>
-              <a:rPr lang="en-US" dirty="0"/>
-              <a:t>Subtracting the normalized values of the negative factors.</a:t>
-            </a:r>
-            <a:br>
-              <a:rPr lang="en-US" dirty="0"/>
-            </a:br>
-            <a:r>
-              <a:rPr lang="en-US" dirty="0"/>
-              <a:t>Engine size, mileage, price and previous owners. </a:t>
-            </a:r>
-            <a:br>
-              <a:rPr lang="en-US" dirty="0"/>
-            </a:br>
-            <a:r>
-              <a:rPr lang="en-US" dirty="0"/>
-              <a:t> The resulting score is then normalized to a 0-100 scale to make it easier to interpret.</a:t>
-            </a:r>
-            <a:br>
-              <a:rPr lang="en-US" dirty="0"/>
-            </a:br>
-            <a:endParaRPr lang="en-US" dirty="0"/>
-          </a:p>
-        </p:txBody>
-      </p:sp>
+        </p:nvPicPr>
+        <p:blipFill>
+          <a:blip r:embed="rId2"/>
+          <a:stretch>
+            <a:fillRect/>
+          </a:stretch>
+        </p:blipFill>
+        <p:spPr>
+          <a:xfrm>
+            <a:off x="3101524" y="2109258"/>
+            <a:ext cx="7177010" cy="3449638"/>
+          </a:xfrm>
+        </p:spPr>
+      </p:pic>
     </p:spTree>
     <p:extLst>
       <p:ext uri="{BB962C8B-B14F-4D97-AF65-F5344CB8AC3E}">
-        <p14:creationId xmlns:p14="http://schemas.microsoft.com/office/powerpoint/2010/main" val="1243097409"/>
+        <p14:creationId xmlns:p14="http://schemas.microsoft.com/office/powerpoint/2010/main" val="3733975472"/>
       </p:ext>
     </p:extLst>
   </p:cSld>
@@ -6388,10 +5893,4 @@
     </a:ext>
   </a:extLst>
 </a:theme>
-</file>
-
-<file path=docMetadata/LabelInfo.xml><?xml version="1.0" encoding="utf-8"?>
-<clbl:labelList xmlns:clbl="http://schemas.microsoft.com/office/2020/mipLabelMetadata">
-  <clbl:label id="{2c7890e8-8459-473b-8b86-643375e9aab5}" enabled="1" method="Privileged" siteId="{8c642d1d-d709-47b0-ab10-080af10798fb}" contentBits="0" removed="0"/>
-</clbl:labelList>
 </file>